--- a/_포트폴리오/최종/포트폴리오_신버전2_송진규.pptx
+++ b/_포트폴리오/최종/포트폴리오_신버전2_송진규.pptx
@@ -215,7 +215,7 @@
           <a:p>
             <a:fld id="{A997ED19-3D8B-4FA9-8E48-CE4C66C43079}" type="datetimeFigureOut">
               <a:rPr lang="ko-KR" altLang="en-US" smtClean="0"/>
-              <a:t>2019-01-31</a:t>
+              <a:t>2019-02-01</a:t>
             </a:fld>
             <a:endParaRPr lang="ko-KR" altLang="en-US"/>
           </a:p>
@@ -1084,7 +1084,7 @@
           <a:p>
             <a:fld id="{FB30EDBD-1C2D-4C1E-B459-B60219FAB484}" type="datetimeFigureOut">
               <a:rPr lang="ko-KR" altLang="en-US" smtClean="0"/>
-              <a:t>2019-01-31</a:t>
+              <a:t>2019-02-01</a:t>
             </a:fld>
             <a:endParaRPr lang="ko-KR" altLang="en-US"/>
           </a:p>
@@ -1254,7 +1254,7 @@
           <a:p>
             <a:fld id="{FB30EDBD-1C2D-4C1E-B459-B60219FAB484}" type="datetimeFigureOut">
               <a:rPr lang="ko-KR" altLang="en-US" smtClean="0"/>
-              <a:t>2019-01-31</a:t>
+              <a:t>2019-02-01</a:t>
             </a:fld>
             <a:endParaRPr lang="ko-KR" altLang="en-US"/>
           </a:p>
@@ -1434,7 +1434,7 @@
           <a:p>
             <a:fld id="{FB30EDBD-1C2D-4C1E-B459-B60219FAB484}" type="datetimeFigureOut">
               <a:rPr lang="ko-KR" altLang="en-US" smtClean="0"/>
-              <a:t>2019-01-31</a:t>
+              <a:t>2019-02-01</a:t>
             </a:fld>
             <a:endParaRPr lang="ko-KR" altLang="en-US"/>
           </a:p>
@@ -1604,7 +1604,7 @@
           <a:p>
             <a:fld id="{FB30EDBD-1C2D-4C1E-B459-B60219FAB484}" type="datetimeFigureOut">
               <a:rPr lang="ko-KR" altLang="en-US" smtClean="0"/>
-              <a:t>2019-01-31</a:t>
+              <a:t>2019-02-01</a:t>
             </a:fld>
             <a:endParaRPr lang="ko-KR" altLang="en-US"/>
           </a:p>
@@ -1850,7 +1850,7 @@
           <a:p>
             <a:fld id="{FB30EDBD-1C2D-4C1E-B459-B60219FAB484}" type="datetimeFigureOut">
               <a:rPr lang="ko-KR" altLang="en-US" smtClean="0"/>
-              <a:t>2019-01-31</a:t>
+              <a:t>2019-02-01</a:t>
             </a:fld>
             <a:endParaRPr lang="ko-KR" altLang="en-US"/>
           </a:p>
@@ -2138,7 +2138,7 @@
           <a:p>
             <a:fld id="{FB30EDBD-1C2D-4C1E-B459-B60219FAB484}" type="datetimeFigureOut">
               <a:rPr lang="ko-KR" altLang="en-US" smtClean="0"/>
-              <a:t>2019-01-31</a:t>
+              <a:t>2019-02-01</a:t>
             </a:fld>
             <a:endParaRPr lang="ko-KR" altLang="en-US"/>
           </a:p>
@@ -2560,7 +2560,7 @@
           <a:p>
             <a:fld id="{FB30EDBD-1C2D-4C1E-B459-B60219FAB484}" type="datetimeFigureOut">
               <a:rPr lang="ko-KR" altLang="en-US" smtClean="0"/>
-              <a:t>2019-01-31</a:t>
+              <a:t>2019-02-01</a:t>
             </a:fld>
             <a:endParaRPr lang="ko-KR" altLang="en-US"/>
           </a:p>
@@ -2678,7 +2678,7 @@
           <a:p>
             <a:fld id="{FB30EDBD-1C2D-4C1E-B459-B60219FAB484}" type="datetimeFigureOut">
               <a:rPr lang="ko-KR" altLang="en-US" smtClean="0"/>
-              <a:t>2019-01-31</a:t>
+              <a:t>2019-02-01</a:t>
             </a:fld>
             <a:endParaRPr lang="ko-KR" altLang="en-US"/>
           </a:p>
@@ -2773,7 +2773,7 @@
           <a:p>
             <a:fld id="{FB30EDBD-1C2D-4C1E-B459-B60219FAB484}" type="datetimeFigureOut">
               <a:rPr lang="ko-KR" altLang="en-US" smtClean="0"/>
-              <a:t>2019-01-31</a:t>
+              <a:t>2019-02-01</a:t>
             </a:fld>
             <a:endParaRPr lang="ko-KR" altLang="en-US"/>
           </a:p>
@@ -3050,7 +3050,7 @@
           <a:p>
             <a:fld id="{FB30EDBD-1C2D-4C1E-B459-B60219FAB484}" type="datetimeFigureOut">
               <a:rPr lang="ko-KR" altLang="en-US" smtClean="0"/>
-              <a:t>2019-01-31</a:t>
+              <a:t>2019-02-01</a:t>
             </a:fld>
             <a:endParaRPr lang="ko-KR" altLang="en-US"/>
           </a:p>
@@ -3303,7 +3303,7 @@
           <a:p>
             <a:fld id="{FB30EDBD-1C2D-4C1E-B459-B60219FAB484}" type="datetimeFigureOut">
               <a:rPr lang="ko-KR" altLang="en-US" smtClean="0"/>
-              <a:t>2019-01-31</a:t>
+              <a:t>2019-02-01</a:t>
             </a:fld>
             <a:endParaRPr lang="ko-KR" altLang="en-US"/>
           </a:p>
@@ -3516,7 +3516,7 @@
           <a:p>
             <a:fld id="{FB30EDBD-1C2D-4C1E-B459-B60219FAB484}" type="datetimeFigureOut">
               <a:rPr lang="ko-KR" altLang="en-US" smtClean="0"/>
-              <a:t>2019-01-31</a:t>
+              <a:t>2019-02-01</a:t>
             </a:fld>
             <a:endParaRPr lang="ko-KR" altLang="en-US"/>
           </a:p>
@@ -7087,7 +7087,7 @@
         </p:nvSpPr>
         <p:spPr>
           <a:xfrm>
-            <a:off x="251520" y="2648538"/>
+            <a:off x="251520" y="3034456"/>
             <a:ext cx="5112568" cy="1546672"/>
           </a:xfrm>
           <a:prstGeom prst="roundRect">
@@ -7138,7 +7138,7 @@
         </p:nvSpPr>
         <p:spPr>
           <a:xfrm>
-            <a:off x="360040" y="3137244"/>
+            <a:off x="360040" y="3523162"/>
             <a:ext cx="4680520" cy="932592"/>
           </a:xfrm>
           <a:prstGeom prst="roundRect">
@@ -7189,7 +7189,7 @@
         </p:nvSpPr>
         <p:spPr>
           <a:xfrm>
-            <a:off x="352406" y="2777202"/>
+            <a:off x="352406" y="3163120"/>
             <a:ext cx="4582735" cy="1292633"/>
           </a:xfrm>
           <a:prstGeom prst="rect">
@@ -7332,7 +7332,7 @@
         </p:nvSpPr>
         <p:spPr>
           <a:xfrm>
-            <a:off x="258646" y="4267218"/>
+            <a:off x="258646" y="4653136"/>
             <a:ext cx="5112568" cy="1008112"/>
           </a:xfrm>
           <a:prstGeom prst="roundRect">
@@ -7383,7 +7383,7 @@
         </p:nvSpPr>
         <p:spPr>
           <a:xfrm>
-            <a:off x="359532" y="4759557"/>
+            <a:off x="359532" y="5145475"/>
             <a:ext cx="4680520" cy="387535"/>
           </a:xfrm>
           <a:prstGeom prst="roundRect">
@@ -7434,7 +7434,7 @@
         </p:nvSpPr>
         <p:spPr>
           <a:xfrm>
-            <a:off x="359532" y="4395882"/>
+            <a:off x="359532" y="4781800"/>
             <a:ext cx="4582735" cy="677080"/>
           </a:xfrm>
           <a:prstGeom prst="rect">
@@ -7478,7 +7478,7 @@
         </p:nvSpPr>
         <p:spPr>
           <a:xfrm>
-            <a:off x="258646" y="710689"/>
+            <a:off x="258646" y="1096607"/>
             <a:ext cx="5112568" cy="1854216"/>
           </a:xfrm>
           <a:prstGeom prst="roundRect">
@@ -7529,7 +7529,7 @@
         </p:nvSpPr>
         <p:spPr>
           <a:xfrm>
-            <a:off x="359532" y="1251508"/>
+            <a:off x="359532" y="1637426"/>
             <a:ext cx="4680520" cy="1241388"/>
           </a:xfrm>
           <a:prstGeom prst="roundRect">
@@ -7580,7 +7580,7 @@
         </p:nvSpPr>
         <p:spPr>
           <a:xfrm>
-            <a:off x="359532" y="839354"/>
+            <a:off x="359532" y="1225272"/>
             <a:ext cx="4582735" cy="1600410"/>
           </a:xfrm>
           <a:prstGeom prst="rect">
@@ -37937,29 +37937,21 @@
       </p:grpSpPr>
       <p:sp>
         <p:nvSpPr>
-          <p:cNvPr id="10" name="모서리가 둥근 직사각형 9"/>
+          <p:cNvPr id="13" name="모서리가 둥근 직사각형 12"/>
           <p:cNvSpPr/>
           <p:nvPr/>
         </p:nvSpPr>
         <p:spPr>
           <a:xfrm>
-            <a:off x="237447" y="824220"/>
-            <a:ext cx="5112568" cy="1173165"/>
+            <a:off x="107504" y="188640"/>
+            <a:ext cx="8928992" cy="6480720"/>
           </a:xfrm>
           <a:prstGeom prst="roundRect">
             <a:avLst>
-              <a:gd name="adj" fmla="val 3748"/>
+              <a:gd name="adj" fmla="val 3138"/>
             </a:avLst>
           </a:prstGeom>
-          <a:solidFill>
-            <a:schemeClr val="accent5">
-              <a:lumMod val="20000"/>
-              <a:lumOff val="80000"/>
-            </a:schemeClr>
-          </a:solidFill>
-          <a:ln>
-            <a:noFill/>
-          </a:ln>
+          <a:noFill/>
         </p:spPr>
         <p:style>
           <a:lnRef idx="2">
@@ -37988,22 +37980,52 @@
       </p:sp>
       <p:sp>
         <p:nvSpPr>
-          <p:cNvPr id="11" name="모서리가 둥근 직사각형 10"/>
+          <p:cNvPr id="14" name="TextBox 13"/>
+          <p:cNvSpPr txBox="1"/>
+          <p:nvPr/>
+        </p:nvSpPr>
+        <p:spPr>
+          <a:xfrm>
+            <a:off x="4234413" y="292586"/>
+            <a:ext cx="697627" cy="400110"/>
+          </a:xfrm>
+          <a:prstGeom prst="rect">
+            <a:avLst/>
+          </a:prstGeom>
+          <a:noFill/>
+        </p:spPr>
+        <p:txBody>
+          <a:bodyPr wrap="none" rtlCol="0">
+            <a:spAutoFit/>
+          </a:bodyPr>
+          <a:lstStyle/>
+          <a:p>
+            <a:r>
+              <a:rPr lang="ko-KR" altLang="en-US" sz="2000" b="1" dirty="0" smtClean="0"/>
+              <a:t>개요</a:t>
+            </a:r>
+            <a:endParaRPr lang="ko-KR" altLang="en-US" sz="2000" b="1" dirty="0"/>
+          </a:p>
+        </p:txBody>
+      </p:sp>
+      <p:sp>
+        <p:nvSpPr>
+          <p:cNvPr id="27" name="모서리가 둥근 직사각형 26"/>
           <p:cNvSpPr/>
           <p:nvPr/>
         </p:nvSpPr>
         <p:spPr>
           <a:xfrm>
-            <a:off x="338333" y="1319561"/>
-            <a:ext cx="4680520" cy="575051"/>
+            <a:off x="248419" y="943145"/>
+            <a:ext cx="5112568" cy="1167479"/>
           </a:xfrm>
           <a:prstGeom prst="roundRect">
             <a:avLst>
-              <a:gd name="adj" fmla="val 6124"/>
+              <a:gd name="adj" fmla="val 3748"/>
             </a:avLst>
           </a:prstGeom>
           <a:solidFill>
-            <a:schemeClr val="accent6">
+            <a:schemeClr val="accent5">
               <a:lumMod val="20000"/>
               <a:lumOff val="80000"/>
             </a:schemeClr>
@@ -38039,127 +38061,29 @@
       </p:sp>
       <p:sp>
         <p:nvSpPr>
-          <p:cNvPr id="12" name="TextBox 11"/>
-          <p:cNvSpPr txBox="1"/>
-          <p:nvPr/>
-        </p:nvSpPr>
-        <p:spPr>
-          <a:xfrm>
-            <a:off x="338333" y="909756"/>
-            <a:ext cx="4582735" cy="984857"/>
-          </a:xfrm>
-          <a:prstGeom prst="rect">
-            <a:avLst/>
-          </a:prstGeom>
-          <a:noFill/>
-        </p:spPr>
-        <p:txBody>
-          <a:bodyPr wrap="square" lIns="91409" tIns="45706" rIns="91409" bIns="45706" rtlCol="0">
-            <a:spAutoFit/>
-          </a:bodyPr>
-          <a:lstStyle/>
-          <a:p>
-            <a:r>
-              <a:rPr lang="en-US" altLang="ko-KR" b="1" dirty="0" smtClean="0"/>
-              <a:t>2</a:t>
-            </a:r>
-            <a:r>
-              <a:rPr lang="ko-KR" altLang="en-US" b="1" dirty="0" smtClean="0"/>
-              <a:t>종류의 네트워크 모듈 제작</a:t>
-            </a:r>
-            <a:endParaRPr lang="en-US" altLang="ko-KR" b="1" dirty="0"/>
-          </a:p>
-          <a:p>
-            <a:endParaRPr lang="en-US" altLang="ko-KR" sz="1000" dirty="0"/>
-          </a:p>
-          <a:p>
-            <a:pPr marL="171450" indent="-171450">
-              <a:buFontTx/>
-              <a:buChar char="-"/>
-            </a:pPr>
-            <a:r>
-              <a:rPr lang="en-US" altLang="ko-KR" sz="1000" dirty="0" smtClean="0"/>
-              <a:t>IOCP</a:t>
-            </a:r>
-            <a:r>
-              <a:rPr lang="ko-KR" altLang="en-US" sz="1000" dirty="0" smtClean="0"/>
-              <a:t>를 사용한 모듈</a:t>
-            </a:r>
-            <a:endParaRPr lang="en-US" altLang="ko-KR" sz="1000" dirty="0" smtClean="0"/>
-          </a:p>
-          <a:p>
-            <a:pPr marL="171450" indent="-171450">
-              <a:buFontTx/>
-              <a:buChar char="-"/>
-            </a:pPr>
-            <a:r>
-              <a:rPr lang="en-US" altLang="ko-KR" sz="1000" b="1" dirty="0" smtClean="0"/>
-              <a:t>Net </a:t>
-            </a:r>
-            <a:r>
-              <a:rPr lang="ko-KR" altLang="en-US" sz="1000" b="1" dirty="0" smtClean="0"/>
-              <a:t>서버 </a:t>
-            </a:r>
-            <a:r>
-              <a:rPr lang="en-US" altLang="ko-KR" sz="1000" b="1" dirty="0" smtClean="0"/>
-              <a:t>: </a:t>
-            </a:r>
-            <a:r>
-              <a:rPr lang="ko-KR" altLang="en-US" sz="1000" dirty="0" smtClean="0"/>
-              <a:t>기본적</a:t>
-            </a:r>
-            <a:r>
-              <a:rPr lang="ko-KR" altLang="en-US" sz="1000" dirty="0"/>
-              <a:t>인</a:t>
-            </a:r>
-            <a:r>
-              <a:rPr lang="ko-KR" altLang="en-US" sz="1000" dirty="0" smtClean="0"/>
-              <a:t> 네트워크 모듈</a:t>
-            </a:r>
-            <a:endParaRPr lang="en-US" altLang="ko-KR" sz="1000" dirty="0" smtClean="0"/>
-          </a:p>
-          <a:p>
-            <a:pPr marL="171450" indent="-171450">
-              <a:buFontTx/>
-              <a:buChar char="-"/>
-            </a:pPr>
-            <a:r>
-              <a:rPr lang="en-US" altLang="ko-KR" sz="1000" b="1" dirty="0" smtClean="0"/>
-              <a:t>MMO </a:t>
-            </a:r>
-            <a:r>
-              <a:rPr lang="ko-KR" altLang="en-US" sz="1000" b="1" dirty="0" smtClean="0"/>
-              <a:t>서버 </a:t>
-            </a:r>
-            <a:r>
-              <a:rPr lang="en-US" altLang="ko-KR" sz="1000" b="1" dirty="0" smtClean="0"/>
-              <a:t>: </a:t>
-            </a:r>
-            <a:r>
-              <a:rPr lang="ko-KR" altLang="en-US" sz="1000" dirty="0" smtClean="0"/>
-              <a:t>게임서버 제작에 특화된 네트워크 모듈</a:t>
-            </a:r>
-            <a:endParaRPr lang="en-US" altLang="ko-KR" sz="1000" dirty="0" smtClean="0"/>
-          </a:p>
-        </p:txBody>
-      </p:sp>
-      <p:sp>
-        <p:nvSpPr>
-          <p:cNvPr id="13" name="모서리가 둥근 직사각형 12"/>
+          <p:cNvPr id="28" name="모서리가 둥근 직사각형 27"/>
           <p:cNvSpPr/>
           <p:nvPr/>
         </p:nvSpPr>
         <p:spPr>
           <a:xfrm>
-            <a:off x="107504" y="188640"/>
-            <a:ext cx="8928992" cy="6480720"/>
+            <a:off x="349305" y="1378829"/>
+            <a:ext cx="4680520" cy="621181"/>
           </a:xfrm>
           <a:prstGeom prst="roundRect">
             <a:avLst>
-              <a:gd name="adj" fmla="val 3138"/>
+              <a:gd name="adj" fmla="val 6124"/>
             </a:avLst>
           </a:prstGeom>
-          <a:noFill/>
+          <a:solidFill>
+            <a:schemeClr val="accent6">
+              <a:lumMod val="20000"/>
+              <a:lumOff val="80000"/>
+            </a:schemeClr>
+          </a:solidFill>
+          <a:ln>
+            <a:noFill/>
+          </a:ln>
         </p:spPr>
         <p:style>
           <a:lnRef idx="2">
@@ -38188,14 +38112,14 @@
       </p:sp>
       <p:sp>
         <p:nvSpPr>
-          <p:cNvPr id="14" name="TextBox 13"/>
+          <p:cNvPr id="29" name="TextBox 28"/>
           <p:cNvSpPr txBox="1"/>
           <p:nvPr/>
         </p:nvSpPr>
         <p:spPr>
           <a:xfrm>
-            <a:off x="4234413" y="292586"/>
-            <a:ext cx="697627" cy="400110"/>
+            <a:off x="349305" y="1015154"/>
+            <a:ext cx="4582735" cy="984857"/>
           </a:xfrm>
           <a:prstGeom prst="rect">
             <a:avLst/>
@@ -38203,29 +38127,97 @@
           <a:noFill/>
         </p:spPr>
         <p:txBody>
-          <a:bodyPr wrap="none" rtlCol="0">
+          <a:bodyPr wrap="square" lIns="91409" tIns="45706" rIns="91409" bIns="45706" rtlCol="0">
             <a:spAutoFit/>
           </a:bodyPr>
           <a:lstStyle/>
           <a:p>
             <a:r>
-              <a:rPr lang="ko-KR" altLang="en-US" sz="2000" b="1" dirty="0" smtClean="0"/>
-              <a:t>개요</a:t>
-            </a:r>
-            <a:endParaRPr lang="ko-KR" altLang="en-US" sz="2000" b="1" dirty="0"/>
-          </a:p>
-        </p:txBody>
-      </p:sp>
-      <p:sp>
-        <p:nvSpPr>
-          <p:cNvPr id="15" name="모서리가 둥근 직사각형 14"/>
+              <a:rPr lang="ko-KR" altLang="en-US" b="1" dirty="0" smtClean="0"/>
+              <a:t>네트워크 모듈이란</a:t>
+            </a:r>
+            <a:r>
+              <a:rPr lang="en-US" altLang="ko-KR" b="1" dirty="0" smtClean="0"/>
+              <a:t>?</a:t>
+            </a:r>
+            <a:endParaRPr lang="en-US" altLang="ko-KR" b="1" dirty="0"/>
+          </a:p>
+          <a:p>
+            <a:endParaRPr lang="en-US" altLang="ko-KR" sz="1000" dirty="0"/>
+          </a:p>
+          <a:p>
+            <a:pPr marL="171450" indent="-171450">
+              <a:buFontTx/>
+              <a:buChar char="-"/>
+            </a:pPr>
+            <a:r>
+              <a:rPr lang="en-US" altLang="ko-KR" sz="1000" dirty="0" smtClean="0"/>
+              <a:t>Accept/Send/</a:t>
+            </a:r>
+            <a:r>
+              <a:rPr lang="en-US" altLang="ko-KR" sz="1000" dirty="0" err="1" smtClean="0"/>
+              <a:t>Recv</a:t>
+            </a:r>
+            <a:r>
+              <a:rPr lang="en-US" altLang="ko-KR" sz="1000" dirty="0" smtClean="0"/>
+              <a:t>/</a:t>
+            </a:r>
+            <a:r>
+              <a:rPr lang="ko-KR" altLang="en-US" sz="1000" dirty="0" smtClean="0"/>
+              <a:t>세션종료 등 네트워크 관련 작업을 처리하는 모듈</a:t>
+            </a:r>
+            <a:endParaRPr lang="en-US" altLang="ko-KR" sz="1000" dirty="0" smtClean="0"/>
+          </a:p>
+          <a:p>
+            <a:pPr marL="171450" indent="-171450">
+              <a:buFontTx/>
+              <a:buChar char="-"/>
+            </a:pPr>
+            <a:r>
+              <a:rPr lang="en-US" altLang="ko-KR" sz="1000" dirty="0"/>
+              <a:t>IOCP(I/O Completion Port)</a:t>
+            </a:r>
+            <a:r>
+              <a:rPr lang="ko-KR" altLang="en-US" sz="1000" dirty="0"/>
+              <a:t> </a:t>
+            </a:r>
+            <a:r>
+              <a:rPr lang="ko-KR" altLang="en-US" sz="1000" dirty="0" smtClean="0"/>
+              <a:t>사용</a:t>
+            </a:r>
+            <a:endParaRPr lang="en-US" altLang="ko-KR" sz="1000" dirty="0" smtClean="0"/>
+          </a:p>
+          <a:p>
+            <a:pPr marL="171450" indent="-171450">
+              <a:buFontTx/>
+              <a:buChar char="-"/>
+            </a:pPr>
+            <a:r>
+              <a:rPr lang="ko-KR" altLang="en-US" sz="1000" dirty="0" smtClean="0"/>
+              <a:t>각 서버는</a:t>
+            </a:r>
+            <a:r>
+              <a:rPr lang="en-US" altLang="ko-KR" sz="1000" dirty="0" smtClean="0"/>
+              <a:t>, </a:t>
+            </a:r>
+            <a:r>
+              <a:rPr lang="ko-KR" altLang="en-US" sz="1000" dirty="0" smtClean="0"/>
+              <a:t>네트워크 모듈을 상속받아 제작</a:t>
+            </a:r>
+            <a:endParaRPr lang="en-US" altLang="ko-KR" sz="1000" dirty="0" smtClean="0"/>
+          </a:p>
+        </p:txBody>
+      </p:sp>
+      <p:sp>
+        <p:nvSpPr>
+          <p:cNvPr id="30" name="모서리가 둥근 직사각형 29"/>
           <p:cNvSpPr/>
           <p:nvPr/>
         </p:nvSpPr>
         <p:spPr>
           <a:xfrm>
-            <a:off x="246325" y="2069394"/>
-            <a:ext cx="5112568" cy="2511734"/>
+            <a:off x="248419" y="2227450"/>
+            <a:ext cx="5112568" cy="1064769"/>
           </a:xfrm>
           <a:prstGeom prst="roundRect">
             <a:avLst>
@@ -38269,14 +38261,14 @@
       </p:sp>
       <p:sp>
         <p:nvSpPr>
-          <p:cNvPr id="16" name="모서리가 둥근 직사각형 15"/>
+          <p:cNvPr id="31" name="모서리가 둥근 직사각형 30"/>
           <p:cNvSpPr/>
           <p:nvPr/>
         </p:nvSpPr>
         <p:spPr>
           <a:xfrm>
-            <a:off x="347211" y="2607865"/>
-            <a:ext cx="4680520" cy="421162"/>
+            <a:off x="349305" y="2765921"/>
+            <a:ext cx="4680520" cy="428412"/>
           </a:xfrm>
           <a:prstGeom prst="roundRect">
             <a:avLst>
@@ -38320,13 +38312,13 @@
       </p:sp>
       <p:sp>
         <p:nvSpPr>
-          <p:cNvPr id="17" name="TextBox 16"/>
+          <p:cNvPr id="32" name="TextBox 31"/>
           <p:cNvSpPr txBox="1"/>
           <p:nvPr/>
         </p:nvSpPr>
         <p:spPr>
           <a:xfrm>
-            <a:off x="347211" y="2198059"/>
+            <a:off x="349305" y="2356115"/>
             <a:ext cx="4582735" cy="830968"/>
           </a:xfrm>
           <a:prstGeom prst="rect">
@@ -38341,12 +38333,12 @@
           <a:lstStyle/>
           <a:p>
             <a:r>
+              <a:rPr lang="en-US" altLang="ko-KR" b="1" dirty="0" smtClean="0"/>
+              <a:t>2</a:t>
+            </a:r>
+            <a:r>
               <a:rPr lang="ko-KR" altLang="en-US" b="1" dirty="0" smtClean="0"/>
-              <a:t>네트워크 모듈 사용 후 서버 </a:t>
-            </a:r>
-            <a:r>
-              <a:rPr lang="ko-KR" altLang="en-US" b="1" dirty="0" err="1" smtClean="0"/>
-              <a:t>구현부</a:t>
+              <a:t>종류의 네트워크 모듈 제작</a:t>
             </a:r>
             <a:endParaRPr lang="en-US" altLang="ko-KR" b="1" dirty="0"/>
           </a:p>
@@ -38359,8 +38351,28 @@
               <a:buChar char="-"/>
             </a:pPr>
             <a:r>
+              <a:rPr lang="en-US" altLang="ko-KR" sz="1000" b="1" dirty="0" smtClean="0"/>
+              <a:t>Net </a:t>
+            </a:r>
+            <a:r>
+              <a:rPr lang="ko-KR" altLang="en-US" sz="1000" b="1" dirty="0" smtClean="0"/>
+              <a:t>서버 </a:t>
+            </a:r>
+            <a:r>
+              <a:rPr lang="en-US" altLang="ko-KR" sz="1000" b="1" dirty="0" smtClean="0"/>
+              <a:t>: </a:t>
+            </a:r>
+            <a:r>
               <a:rPr lang="ko-KR" altLang="en-US" sz="1000" dirty="0" smtClean="0"/>
-              <a:t>컨텐츠 파트는 네트워크 모듈을 상속받아 제작</a:t>
+              <a:t>기본적</a:t>
+            </a:r>
+            <a:r>
+              <a:rPr lang="ko-KR" altLang="en-US" sz="1000" dirty="0"/>
+              <a:t>인</a:t>
+            </a:r>
+            <a:r>
+              <a:rPr lang="ko-KR" altLang="en-US" sz="1000" dirty="0" smtClean="0"/>
+              <a:t> 네트워크 모듈</a:t>
             </a:r>
             <a:endParaRPr lang="en-US" altLang="ko-KR" sz="1000" dirty="0" smtClean="0"/>
           </a:p>
@@ -38370,6 +38382,179 @@
               <a:buChar char="-"/>
             </a:pPr>
             <a:r>
+              <a:rPr lang="en-US" altLang="ko-KR" sz="1000" b="1" dirty="0" smtClean="0"/>
+              <a:t>MMO </a:t>
+            </a:r>
+            <a:r>
+              <a:rPr lang="ko-KR" altLang="en-US" sz="1000" b="1" dirty="0" smtClean="0"/>
+              <a:t>서버 </a:t>
+            </a:r>
+            <a:r>
+              <a:rPr lang="en-US" altLang="ko-KR" sz="1000" b="1" dirty="0" smtClean="0"/>
+              <a:t>: </a:t>
+            </a:r>
+            <a:r>
+              <a:rPr lang="ko-KR" altLang="en-US" sz="1000" dirty="0" smtClean="0"/>
+              <a:t>게임서버 제작에 특화된 네트워크 모듈</a:t>
+            </a:r>
+            <a:endParaRPr lang="en-US" altLang="ko-KR" sz="1000" dirty="0" smtClean="0"/>
+          </a:p>
+        </p:txBody>
+      </p:sp>
+      <p:sp>
+        <p:nvSpPr>
+          <p:cNvPr id="33" name="모서리가 둥근 직사각형 32"/>
+          <p:cNvSpPr/>
+          <p:nvPr/>
+        </p:nvSpPr>
+        <p:spPr>
+          <a:xfrm>
+            <a:off x="257297" y="3365538"/>
+            <a:ext cx="5112568" cy="2511734"/>
+          </a:xfrm>
+          <a:prstGeom prst="roundRect">
+            <a:avLst>
+              <a:gd name="adj" fmla="val 3748"/>
+            </a:avLst>
+          </a:prstGeom>
+          <a:solidFill>
+            <a:schemeClr val="accent5">
+              <a:lumMod val="20000"/>
+              <a:lumOff val="80000"/>
+            </a:schemeClr>
+          </a:solidFill>
+          <a:ln>
+            <a:noFill/>
+          </a:ln>
+        </p:spPr>
+        <p:style>
+          <a:lnRef idx="2">
+            <a:schemeClr val="accent1">
+              <a:shade val="50000"/>
+            </a:schemeClr>
+          </a:lnRef>
+          <a:fillRef idx="1">
+            <a:schemeClr val="accent1"/>
+          </a:fillRef>
+          <a:effectRef idx="0">
+            <a:schemeClr val="accent1"/>
+          </a:effectRef>
+          <a:fontRef idx="minor">
+            <a:schemeClr val="lt1"/>
+          </a:fontRef>
+        </p:style>
+        <p:txBody>
+          <a:bodyPr rtlCol="0" anchor="ctr"/>
+          <a:lstStyle/>
+          <a:p>
+            <a:pPr algn="ctr"/>
+            <a:endParaRPr lang="ko-KR" altLang="en-US"/>
+          </a:p>
+        </p:txBody>
+      </p:sp>
+      <p:sp>
+        <p:nvSpPr>
+          <p:cNvPr id="34" name="모서리가 둥근 직사각형 33"/>
+          <p:cNvSpPr/>
+          <p:nvPr/>
+        </p:nvSpPr>
+        <p:spPr>
+          <a:xfrm>
+            <a:off x="358183" y="3904009"/>
+            <a:ext cx="4680520" cy="421162"/>
+          </a:xfrm>
+          <a:prstGeom prst="roundRect">
+            <a:avLst>
+              <a:gd name="adj" fmla="val 6124"/>
+            </a:avLst>
+          </a:prstGeom>
+          <a:solidFill>
+            <a:schemeClr val="accent6">
+              <a:lumMod val="20000"/>
+              <a:lumOff val="80000"/>
+            </a:schemeClr>
+          </a:solidFill>
+          <a:ln>
+            <a:noFill/>
+          </a:ln>
+        </p:spPr>
+        <p:style>
+          <a:lnRef idx="2">
+            <a:schemeClr val="accent1">
+              <a:shade val="50000"/>
+            </a:schemeClr>
+          </a:lnRef>
+          <a:fillRef idx="1">
+            <a:schemeClr val="accent1"/>
+          </a:fillRef>
+          <a:effectRef idx="0">
+            <a:schemeClr val="accent1"/>
+          </a:effectRef>
+          <a:fontRef idx="minor">
+            <a:schemeClr val="lt1"/>
+          </a:fontRef>
+        </p:style>
+        <p:txBody>
+          <a:bodyPr rtlCol="0" anchor="ctr"/>
+          <a:lstStyle/>
+          <a:p>
+            <a:pPr algn="ctr"/>
+            <a:endParaRPr lang="ko-KR" altLang="en-US"/>
+          </a:p>
+        </p:txBody>
+      </p:sp>
+      <p:sp>
+        <p:nvSpPr>
+          <p:cNvPr id="35" name="TextBox 34"/>
+          <p:cNvSpPr txBox="1"/>
+          <p:nvPr/>
+        </p:nvSpPr>
+        <p:spPr>
+          <a:xfrm>
+            <a:off x="358183" y="3494203"/>
+            <a:ext cx="4582735" cy="830968"/>
+          </a:xfrm>
+          <a:prstGeom prst="rect">
+            <a:avLst/>
+          </a:prstGeom>
+          <a:noFill/>
+        </p:spPr>
+        <p:txBody>
+          <a:bodyPr wrap="square" lIns="91409" tIns="45706" rIns="91409" bIns="45706" rtlCol="0">
+            <a:spAutoFit/>
+          </a:bodyPr>
+          <a:lstStyle/>
+          <a:p>
+            <a:r>
+              <a:rPr lang="ko-KR" altLang="en-US" b="1" dirty="0" smtClean="0"/>
+              <a:t>네트워크 모듈 사용 후 서버 </a:t>
+            </a:r>
+            <a:r>
+              <a:rPr lang="ko-KR" altLang="en-US" b="1" dirty="0" err="1" smtClean="0"/>
+              <a:t>구현부</a:t>
+            </a:r>
+            <a:endParaRPr lang="en-US" altLang="ko-KR" b="1" dirty="0"/>
+          </a:p>
+          <a:p>
+            <a:endParaRPr lang="en-US" altLang="ko-KR" sz="1000" dirty="0"/>
+          </a:p>
+          <a:p>
+            <a:pPr marL="171450" indent="-171450">
+              <a:buFontTx/>
+              <a:buChar char="-"/>
+            </a:pPr>
+            <a:r>
+              <a:rPr lang="ko-KR" altLang="en-US" sz="1000" dirty="0" smtClean="0"/>
+              <a:t>컨텐츠 파트는 네트워크 모듈을 상속받아 제작</a:t>
+            </a:r>
+            <a:endParaRPr lang="en-US" altLang="ko-KR" sz="1000" dirty="0" smtClean="0"/>
+          </a:p>
+          <a:p>
+            <a:pPr marL="171450" indent="-171450">
+              <a:buFontTx/>
+              <a:buChar char="-"/>
+            </a:pPr>
+            <a:r>
               <a:rPr lang="ko-KR" altLang="en-US" sz="1000" dirty="0" smtClean="0"/>
               <a:t>가상함수를 통</a:t>
             </a:r>
@@ -38395,13 +38580,13 @@
       </p:sp>
       <p:sp>
         <p:nvSpPr>
-          <p:cNvPr id="18" name="모서리가 둥근 직사각형 17"/>
+          <p:cNvPr id="36" name="모서리가 둥근 직사각형 35"/>
           <p:cNvSpPr/>
           <p:nvPr/>
         </p:nvSpPr>
         <p:spPr>
           <a:xfrm>
-            <a:off x="384564" y="3140968"/>
+            <a:off x="395536" y="4437112"/>
             <a:ext cx="4491837" cy="1284282"/>
           </a:xfrm>
           <a:prstGeom prst="roundRect">
@@ -38445,13 +38630,13 @@
       </p:sp>
       <p:sp>
         <p:nvSpPr>
-          <p:cNvPr id="19" name="모서리가 둥근 직사각형 18"/>
+          <p:cNvPr id="37" name="모서리가 둥근 직사각형 36"/>
           <p:cNvSpPr/>
           <p:nvPr/>
         </p:nvSpPr>
         <p:spPr>
           <a:xfrm>
-            <a:off x="499702" y="3501796"/>
+            <a:off x="510674" y="4797940"/>
             <a:ext cx="1712404" cy="771342"/>
           </a:xfrm>
           <a:prstGeom prst="roundRect">
@@ -38590,13 +38775,13 @@
       </p:sp>
       <p:sp>
         <p:nvSpPr>
-          <p:cNvPr id="20" name="모서리가 둥근 직사각형 19"/>
+          <p:cNvPr id="38" name="모서리가 둥근 직사각형 37"/>
           <p:cNvSpPr/>
           <p:nvPr/>
         </p:nvSpPr>
         <p:spPr>
           <a:xfrm>
-            <a:off x="2860177" y="3485010"/>
+            <a:off x="2871149" y="4781154"/>
             <a:ext cx="1856420" cy="788128"/>
           </a:xfrm>
           <a:prstGeom prst="roundRect">
@@ -38719,13 +38904,13 @@
       </p:sp>
       <p:sp>
         <p:nvSpPr>
-          <p:cNvPr id="21" name="왼쪽/오른쪽 화살표 20"/>
+          <p:cNvPr id="39" name="왼쪽/오른쪽 화살표 38"/>
           <p:cNvSpPr/>
           <p:nvPr/>
         </p:nvSpPr>
         <p:spPr>
           <a:xfrm>
-            <a:off x="2275451" y="3852342"/>
+            <a:off x="2286423" y="5148486"/>
             <a:ext cx="507926" cy="216024"/>
           </a:xfrm>
           <a:prstGeom prst="leftRightArrow">
@@ -38762,13 +38947,13 @@
       </p:sp>
       <p:sp>
         <p:nvSpPr>
-          <p:cNvPr id="22" name="TextBox 21"/>
+          <p:cNvPr id="40" name="TextBox 39"/>
           <p:cNvSpPr txBox="1"/>
           <p:nvPr/>
         </p:nvSpPr>
         <p:spPr>
           <a:xfrm>
-            <a:off x="2140097" y="3140968"/>
+            <a:off x="2151069" y="4437112"/>
             <a:ext cx="764699" cy="323137"/>
           </a:xfrm>
           <a:prstGeom prst="rect">
@@ -38793,13 +38978,13 @@
       </p:sp>
       <p:sp>
         <p:nvSpPr>
-          <p:cNvPr id="23" name="TextBox 22"/>
+          <p:cNvPr id="41" name="TextBox 40"/>
           <p:cNvSpPr txBox="1"/>
           <p:nvPr/>
         </p:nvSpPr>
         <p:spPr>
           <a:xfrm>
-            <a:off x="2235293" y="3420294"/>
+            <a:off x="2246265" y="4716438"/>
             <a:ext cx="570990" cy="461665"/>
           </a:xfrm>
           <a:prstGeom prst="rect">

--- a/_포트폴리오/최종/포트폴리오_신버전2_송진규.pptx
+++ b/_포트폴리오/최종/포트폴리오_신버전2_송진규.pptx
@@ -215,7 +215,7 @@
           <a:p>
             <a:fld id="{A997ED19-3D8B-4FA9-8E48-CE4C66C43079}" type="datetimeFigureOut">
               <a:rPr lang="ko-KR" altLang="en-US" smtClean="0"/>
-              <a:t>2019-02-01</a:t>
+              <a:t>2019-02-07</a:t>
             </a:fld>
             <a:endParaRPr lang="ko-KR" altLang="en-US"/>
           </a:p>
@@ -1084,7 +1084,7 @@
           <a:p>
             <a:fld id="{FB30EDBD-1C2D-4C1E-B459-B60219FAB484}" type="datetimeFigureOut">
               <a:rPr lang="ko-KR" altLang="en-US" smtClean="0"/>
-              <a:t>2019-02-01</a:t>
+              <a:t>2019-02-07</a:t>
             </a:fld>
             <a:endParaRPr lang="ko-KR" altLang="en-US"/>
           </a:p>
@@ -1254,7 +1254,7 @@
           <a:p>
             <a:fld id="{FB30EDBD-1C2D-4C1E-B459-B60219FAB484}" type="datetimeFigureOut">
               <a:rPr lang="ko-KR" altLang="en-US" smtClean="0"/>
-              <a:t>2019-02-01</a:t>
+              <a:t>2019-02-07</a:t>
             </a:fld>
             <a:endParaRPr lang="ko-KR" altLang="en-US"/>
           </a:p>
@@ -1434,7 +1434,7 @@
           <a:p>
             <a:fld id="{FB30EDBD-1C2D-4C1E-B459-B60219FAB484}" type="datetimeFigureOut">
               <a:rPr lang="ko-KR" altLang="en-US" smtClean="0"/>
-              <a:t>2019-02-01</a:t>
+              <a:t>2019-02-07</a:t>
             </a:fld>
             <a:endParaRPr lang="ko-KR" altLang="en-US"/>
           </a:p>
@@ -1604,7 +1604,7 @@
           <a:p>
             <a:fld id="{FB30EDBD-1C2D-4C1E-B459-B60219FAB484}" type="datetimeFigureOut">
               <a:rPr lang="ko-KR" altLang="en-US" smtClean="0"/>
-              <a:t>2019-02-01</a:t>
+              <a:t>2019-02-07</a:t>
             </a:fld>
             <a:endParaRPr lang="ko-KR" altLang="en-US"/>
           </a:p>
@@ -1850,7 +1850,7 @@
           <a:p>
             <a:fld id="{FB30EDBD-1C2D-4C1E-B459-B60219FAB484}" type="datetimeFigureOut">
               <a:rPr lang="ko-KR" altLang="en-US" smtClean="0"/>
-              <a:t>2019-02-01</a:t>
+              <a:t>2019-02-07</a:t>
             </a:fld>
             <a:endParaRPr lang="ko-KR" altLang="en-US"/>
           </a:p>
@@ -2138,7 +2138,7 @@
           <a:p>
             <a:fld id="{FB30EDBD-1C2D-4C1E-B459-B60219FAB484}" type="datetimeFigureOut">
               <a:rPr lang="ko-KR" altLang="en-US" smtClean="0"/>
-              <a:t>2019-02-01</a:t>
+              <a:t>2019-02-07</a:t>
             </a:fld>
             <a:endParaRPr lang="ko-KR" altLang="en-US"/>
           </a:p>
@@ -2560,7 +2560,7 @@
           <a:p>
             <a:fld id="{FB30EDBD-1C2D-4C1E-B459-B60219FAB484}" type="datetimeFigureOut">
               <a:rPr lang="ko-KR" altLang="en-US" smtClean="0"/>
-              <a:t>2019-02-01</a:t>
+              <a:t>2019-02-07</a:t>
             </a:fld>
             <a:endParaRPr lang="ko-KR" altLang="en-US"/>
           </a:p>
@@ -2678,7 +2678,7 @@
           <a:p>
             <a:fld id="{FB30EDBD-1C2D-4C1E-B459-B60219FAB484}" type="datetimeFigureOut">
               <a:rPr lang="ko-KR" altLang="en-US" smtClean="0"/>
-              <a:t>2019-02-01</a:t>
+              <a:t>2019-02-07</a:t>
             </a:fld>
             <a:endParaRPr lang="ko-KR" altLang="en-US"/>
           </a:p>
@@ -2773,7 +2773,7 @@
           <a:p>
             <a:fld id="{FB30EDBD-1C2D-4C1E-B459-B60219FAB484}" type="datetimeFigureOut">
               <a:rPr lang="ko-KR" altLang="en-US" smtClean="0"/>
-              <a:t>2019-02-01</a:t>
+              <a:t>2019-02-07</a:t>
             </a:fld>
             <a:endParaRPr lang="ko-KR" altLang="en-US"/>
           </a:p>
@@ -3050,7 +3050,7 @@
           <a:p>
             <a:fld id="{FB30EDBD-1C2D-4C1E-B459-B60219FAB484}" type="datetimeFigureOut">
               <a:rPr lang="ko-KR" altLang="en-US" smtClean="0"/>
-              <a:t>2019-02-01</a:t>
+              <a:t>2019-02-07</a:t>
             </a:fld>
             <a:endParaRPr lang="ko-KR" altLang="en-US"/>
           </a:p>
@@ -3303,7 +3303,7 @@
           <a:p>
             <a:fld id="{FB30EDBD-1C2D-4C1E-B459-B60219FAB484}" type="datetimeFigureOut">
               <a:rPr lang="ko-KR" altLang="en-US" smtClean="0"/>
-              <a:t>2019-02-01</a:t>
+              <a:t>2019-02-07</a:t>
             </a:fld>
             <a:endParaRPr lang="ko-KR" altLang="en-US"/>
           </a:p>
@@ -3516,7 +3516,7 @@
           <a:p>
             <a:fld id="{FB30EDBD-1C2D-4C1E-B459-B60219FAB484}" type="datetimeFigureOut">
               <a:rPr lang="ko-KR" altLang="en-US" smtClean="0"/>
-              <a:t>2019-02-01</a:t>
+              <a:t>2019-02-07</a:t>
             </a:fld>
             <a:endParaRPr lang="ko-KR" altLang="en-US"/>
           </a:p>
@@ -27796,47 +27796,6 @@
           </a:fontRef>
         </p:style>
       </p:cxnSp>
-      <p:cxnSp>
-        <p:nvCxnSpPr>
-          <p:cNvPr id="79" name="꺾인 연결선 78"/>
-          <p:cNvCxnSpPr>
-            <a:stCxn id="78" idx="1"/>
-            <a:endCxn id="55" idx="4"/>
-          </p:cNvCxnSpPr>
-          <p:nvPr/>
-        </p:nvCxnSpPr>
-        <p:spPr>
-          <a:xfrm rot="10800000">
-            <a:off x="4926826" y="3270052"/>
-            <a:ext cx="1421466" cy="1145735"/>
-          </a:xfrm>
-          <a:prstGeom prst="bentConnector3">
-            <a:avLst>
-              <a:gd name="adj1" fmla="val 58496"/>
-            </a:avLst>
-          </a:prstGeom>
-          <a:ln w="19050">
-            <a:solidFill>
-              <a:schemeClr val="tx1"/>
-            </a:solidFill>
-            <a:tailEnd type="arrow"/>
-          </a:ln>
-        </p:spPr>
-        <p:style>
-          <a:lnRef idx="1">
-            <a:schemeClr val="accent1"/>
-          </a:lnRef>
-          <a:fillRef idx="0">
-            <a:schemeClr val="accent1"/>
-          </a:fillRef>
-          <a:effectRef idx="0">
-            <a:schemeClr val="accent1"/>
-          </a:effectRef>
-          <a:fontRef idx="minor">
-            <a:schemeClr val="tx1"/>
-          </a:fontRef>
-        </p:style>
-      </p:cxnSp>
       <p:sp>
         <p:nvSpPr>
           <p:cNvPr id="83" name="모서리가 둥근 직사각형 82"/>
@@ -28045,6 +28004,777 @@
           <a:prstGeom prst="bentConnector3">
             <a:avLst>
               <a:gd name="adj1" fmla="val 50000"/>
+            </a:avLst>
+          </a:prstGeom>
+          <a:ln w="19050">
+            <a:solidFill>
+              <a:schemeClr val="tx1"/>
+            </a:solidFill>
+            <a:tailEnd type="arrow"/>
+          </a:ln>
+        </p:spPr>
+        <p:style>
+          <a:lnRef idx="1">
+            <a:schemeClr val="accent1"/>
+          </a:lnRef>
+          <a:fillRef idx="0">
+            <a:schemeClr val="accent1"/>
+          </a:fillRef>
+          <a:effectRef idx="0">
+            <a:schemeClr val="accent1"/>
+          </a:effectRef>
+          <a:fontRef idx="minor">
+            <a:schemeClr val="tx1"/>
+          </a:fontRef>
+        </p:style>
+      </p:cxnSp>
+      <p:sp>
+        <p:nvSpPr>
+          <p:cNvPr id="27" name="모서리가 둥근 사각형 설명선 26"/>
+          <p:cNvSpPr/>
+          <p:nvPr/>
+        </p:nvSpPr>
+        <p:spPr>
+          <a:xfrm>
+            <a:off x="2449133" y="2599935"/>
+            <a:ext cx="1482418" cy="316024"/>
+          </a:xfrm>
+          <a:prstGeom prst="wedgeRoundRectCallout">
+            <a:avLst>
+              <a:gd name="adj1" fmla="val -44409"/>
+              <a:gd name="adj2" fmla="val 96073"/>
+              <a:gd name="adj3" fmla="val 16667"/>
+            </a:avLst>
+          </a:prstGeom>
+          <a:solidFill>
+            <a:schemeClr val="bg1"/>
+          </a:solidFill>
+          <a:ln w="3175">
+            <a:solidFill>
+              <a:schemeClr val="tx1"/>
+            </a:solidFill>
+          </a:ln>
+        </p:spPr>
+        <p:style>
+          <a:lnRef idx="2">
+            <a:schemeClr val="accent1">
+              <a:shade val="50000"/>
+            </a:schemeClr>
+          </a:lnRef>
+          <a:fillRef idx="1">
+            <a:schemeClr val="accent1"/>
+          </a:fillRef>
+          <a:effectRef idx="0">
+            <a:schemeClr val="accent1"/>
+          </a:effectRef>
+          <a:fontRef idx="minor">
+            <a:schemeClr val="lt1"/>
+          </a:fontRef>
+        </p:style>
+        <p:txBody>
+          <a:bodyPr lIns="91422" tIns="45711" rIns="91422" bIns="45711" rtlCol="0" anchor="ctr"/>
+          <a:lstStyle/>
+          <a:p>
+            <a:r>
+              <a:rPr lang="ko-KR" altLang="en-US" sz="900" dirty="0" smtClean="0">
+                <a:solidFill>
+                  <a:schemeClr val="tx1"/>
+                </a:solidFill>
+              </a:rPr>
+              <a:t>소비자에게 일을 전담시킨 후 다른 일을 한다</a:t>
+            </a:r>
+            <a:r>
+              <a:rPr lang="en-US" altLang="ko-KR" sz="900" dirty="0" smtClean="0">
+                <a:solidFill>
+                  <a:schemeClr val="tx1"/>
+                </a:solidFill>
+              </a:rPr>
+              <a:t>.</a:t>
+            </a:r>
+            <a:endParaRPr lang="ko-KR" altLang="en-US" sz="900" dirty="0">
+              <a:solidFill>
+                <a:schemeClr val="tx1"/>
+              </a:solidFill>
+            </a:endParaRPr>
+          </a:p>
+        </p:txBody>
+      </p:sp>
+      <p:sp>
+        <p:nvSpPr>
+          <p:cNvPr id="28" name="모서리가 둥근 직사각형 27"/>
+          <p:cNvSpPr/>
+          <p:nvPr/>
+        </p:nvSpPr>
+        <p:spPr>
+          <a:xfrm>
+            <a:off x="5327174" y="1161439"/>
+            <a:ext cx="3528392" cy="4032448"/>
+          </a:xfrm>
+          <a:prstGeom prst="roundRect">
+            <a:avLst>
+              <a:gd name="adj" fmla="val 4894"/>
+            </a:avLst>
+          </a:prstGeom>
+          <a:solidFill>
+            <a:schemeClr val="bg1">
+              <a:lumMod val="95000"/>
+            </a:schemeClr>
+          </a:solidFill>
+          <a:ln>
+            <a:solidFill>
+              <a:schemeClr val="tx1"/>
+            </a:solidFill>
+          </a:ln>
+        </p:spPr>
+        <p:style>
+          <a:lnRef idx="2">
+            <a:schemeClr val="accent1">
+              <a:shade val="50000"/>
+            </a:schemeClr>
+          </a:lnRef>
+          <a:fillRef idx="1">
+            <a:schemeClr val="accent1"/>
+          </a:fillRef>
+          <a:effectRef idx="0">
+            <a:schemeClr val="accent1"/>
+          </a:effectRef>
+          <a:fontRef idx="minor">
+            <a:schemeClr val="lt1"/>
+          </a:fontRef>
+        </p:style>
+        <p:txBody>
+          <a:bodyPr lIns="91409" tIns="45706" rIns="91409" bIns="45706" rtlCol="0" anchor="ctr"/>
+          <a:lstStyle/>
+          <a:p>
+            <a:endParaRPr lang="en-US" altLang="ko-KR" sz="900" dirty="0" smtClean="0">
+              <a:solidFill>
+                <a:schemeClr val="tx1"/>
+              </a:solidFill>
+            </a:endParaRPr>
+          </a:p>
+          <a:p>
+            <a:endParaRPr lang="en-US" altLang="ko-KR" sz="900" dirty="0">
+              <a:solidFill>
+                <a:schemeClr val="tx1"/>
+              </a:solidFill>
+            </a:endParaRPr>
+          </a:p>
+          <a:p>
+            <a:endParaRPr lang="en-US" altLang="ko-KR" sz="900" dirty="0" smtClean="0">
+              <a:solidFill>
+                <a:schemeClr val="tx1"/>
+              </a:solidFill>
+            </a:endParaRPr>
+          </a:p>
+          <a:p>
+            <a:endParaRPr lang="en-US" altLang="ko-KR" sz="900" b="1" dirty="0">
+              <a:solidFill>
+                <a:schemeClr val="tx1"/>
+              </a:solidFill>
+            </a:endParaRPr>
+          </a:p>
+          <a:p>
+            <a:endParaRPr lang="en-US" altLang="ko-KR" sz="900" b="1" dirty="0" smtClean="0">
+              <a:solidFill>
+                <a:schemeClr val="tx1"/>
+              </a:solidFill>
+            </a:endParaRPr>
+          </a:p>
+          <a:p>
+            <a:endParaRPr lang="en-US" altLang="ko-KR" sz="900" b="1" dirty="0">
+              <a:solidFill>
+                <a:schemeClr val="tx1"/>
+              </a:solidFill>
+            </a:endParaRPr>
+          </a:p>
+        </p:txBody>
+      </p:sp>
+      <p:sp>
+        <p:nvSpPr>
+          <p:cNvPr id="42" name="모서리가 둥근 직사각형 41"/>
+          <p:cNvSpPr/>
+          <p:nvPr/>
+        </p:nvSpPr>
+        <p:spPr>
+          <a:xfrm>
+            <a:off x="5220072" y="1052736"/>
+            <a:ext cx="3528392" cy="4032448"/>
+          </a:xfrm>
+          <a:prstGeom prst="roundRect">
+            <a:avLst>
+              <a:gd name="adj" fmla="val 4894"/>
+            </a:avLst>
+          </a:prstGeom>
+          <a:solidFill>
+            <a:schemeClr val="bg1">
+              <a:lumMod val="95000"/>
+            </a:schemeClr>
+          </a:solidFill>
+          <a:ln>
+            <a:solidFill>
+              <a:schemeClr val="tx1"/>
+            </a:solidFill>
+          </a:ln>
+        </p:spPr>
+        <p:style>
+          <a:lnRef idx="2">
+            <a:schemeClr val="accent1">
+              <a:shade val="50000"/>
+            </a:schemeClr>
+          </a:lnRef>
+          <a:fillRef idx="1">
+            <a:schemeClr val="accent1"/>
+          </a:fillRef>
+          <a:effectRef idx="0">
+            <a:schemeClr val="accent1"/>
+          </a:effectRef>
+          <a:fontRef idx="minor">
+            <a:schemeClr val="lt1"/>
+          </a:fontRef>
+        </p:style>
+        <p:txBody>
+          <a:bodyPr lIns="91409" tIns="45706" rIns="91409" bIns="45706" rtlCol="0" anchor="ctr"/>
+          <a:lstStyle/>
+          <a:p>
+            <a:endParaRPr lang="en-US" altLang="ko-KR" sz="900" dirty="0" smtClean="0">
+              <a:solidFill>
+                <a:schemeClr val="tx1"/>
+              </a:solidFill>
+            </a:endParaRPr>
+          </a:p>
+          <a:p>
+            <a:endParaRPr lang="en-US" altLang="ko-KR" sz="900" dirty="0">
+              <a:solidFill>
+                <a:schemeClr val="tx1"/>
+              </a:solidFill>
+            </a:endParaRPr>
+          </a:p>
+          <a:p>
+            <a:endParaRPr lang="en-US" altLang="ko-KR" sz="900" dirty="0" smtClean="0">
+              <a:solidFill>
+                <a:schemeClr val="tx1"/>
+              </a:solidFill>
+            </a:endParaRPr>
+          </a:p>
+          <a:p>
+            <a:endParaRPr lang="en-US" altLang="ko-KR" sz="900" b="1" dirty="0">
+              <a:solidFill>
+                <a:schemeClr val="tx1"/>
+              </a:solidFill>
+            </a:endParaRPr>
+          </a:p>
+          <a:p>
+            <a:endParaRPr lang="en-US" altLang="ko-KR" sz="900" b="1" dirty="0" smtClean="0">
+              <a:solidFill>
+                <a:schemeClr val="tx1"/>
+              </a:solidFill>
+            </a:endParaRPr>
+          </a:p>
+          <a:p>
+            <a:endParaRPr lang="en-US" altLang="ko-KR" sz="900" b="1" dirty="0">
+              <a:solidFill>
+                <a:schemeClr val="tx1"/>
+              </a:solidFill>
+            </a:endParaRPr>
+          </a:p>
+        </p:txBody>
+      </p:sp>
+      <p:sp>
+        <p:nvSpPr>
+          <p:cNvPr id="25" name="모서리가 둥근 직사각형 24"/>
+          <p:cNvSpPr/>
+          <p:nvPr/>
+        </p:nvSpPr>
+        <p:spPr>
+          <a:xfrm>
+            <a:off x="6256839" y="2954174"/>
+            <a:ext cx="1571340" cy="562596"/>
+          </a:xfrm>
+          <a:prstGeom prst="roundRect">
+            <a:avLst>
+              <a:gd name="adj" fmla="val 8847"/>
+            </a:avLst>
+          </a:prstGeom>
+          <a:solidFill>
+            <a:schemeClr val="accent6">
+              <a:lumMod val="20000"/>
+              <a:lumOff val="80000"/>
+            </a:schemeClr>
+          </a:solidFill>
+          <a:ln w="3175">
+            <a:solidFill>
+              <a:schemeClr val="tx1"/>
+            </a:solidFill>
+          </a:ln>
+        </p:spPr>
+        <p:style>
+          <a:lnRef idx="2">
+            <a:schemeClr val="accent1">
+              <a:shade val="50000"/>
+            </a:schemeClr>
+          </a:lnRef>
+          <a:fillRef idx="1">
+            <a:schemeClr val="accent1"/>
+          </a:fillRef>
+          <a:effectRef idx="0">
+            <a:schemeClr val="accent1"/>
+          </a:effectRef>
+          <a:fontRef idx="minor">
+            <a:schemeClr val="lt1"/>
+          </a:fontRef>
+        </p:style>
+        <p:txBody>
+          <a:bodyPr lIns="91409" tIns="45706" rIns="91409" bIns="45706" rtlCol="0" anchor="ctr"/>
+          <a:lstStyle/>
+          <a:p>
+            <a:pPr algn="ctr"/>
+            <a:endParaRPr lang="ko-KR" altLang="en-US" dirty="0"/>
+          </a:p>
+        </p:txBody>
+      </p:sp>
+      <p:sp>
+        <p:nvSpPr>
+          <p:cNvPr id="26" name="TextBox 25"/>
+          <p:cNvSpPr txBox="1"/>
+          <p:nvPr/>
+        </p:nvSpPr>
+        <p:spPr>
+          <a:xfrm>
+            <a:off x="6256839" y="2962800"/>
+            <a:ext cx="1630512" cy="553970"/>
+          </a:xfrm>
+          <a:prstGeom prst="rect">
+            <a:avLst/>
+          </a:prstGeom>
+          <a:noFill/>
+        </p:spPr>
+        <p:txBody>
+          <a:bodyPr wrap="none" lIns="91409" tIns="45706" rIns="91409" bIns="45706" rtlCol="0">
+            <a:spAutoFit/>
+          </a:bodyPr>
+          <a:lstStyle/>
+          <a:p>
+            <a:pPr algn="ctr"/>
+            <a:r>
+              <a:rPr lang="en-US" altLang="ko-KR" sz="1000" b="1" dirty="0" smtClean="0"/>
+              <a:t>HTTP </a:t>
+            </a:r>
+            <a:r>
+              <a:rPr lang="ko-KR" altLang="en-US" sz="1000" b="1" dirty="0" smtClean="0"/>
+              <a:t>라이브러리</a:t>
+            </a:r>
+            <a:endParaRPr lang="en-US" altLang="ko-KR" sz="1000" b="1" dirty="0" smtClean="0"/>
+          </a:p>
+          <a:p>
+            <a:pPr algn="ctr"/>
+            <a:endParaRPr lang="en-US" altLang="ko-KR" sz="1000" b="1" dirty="0"/>
+          </a:p>
+          <a:p>
+            <a:pPr algn="ctr"/>
+            <a:r>
+              <a:rPr lang="en-US" altLang="ko-KR" sz="1000" dirty="0" smtClean="0"/>
+              <a:t>HTTP </a:t>
+            </a:r>
+            <a:r>
+              <a:rPr lang="ko-KR" altLang="en-US" sz="1000" dirty="0" smtClean="0"/>
+              <a:t>데이터 </a:t>
+            </a:r>
+            <a:r>
+              <a:rPr lang="en-US" altLang="ko-KR" sz="1000" dirty="0" err="1" smtClean="0"/>
+              <a:t>Recv</a:t>
+            </a:r>
+            <a:r>
+              <a:rPr lang="en-US" altLang="ko-KR" sz="1000" dirty="0" smtClean="0"/>
+              <a:t>/Send</a:t>
+            </a:r>
+            <a:endParaRPr lang="en-US" altLang="ko-KR" sz="1000" dirty="0"/>
+          </a:p>
+        </p:txBody>
+      </p:sp>
+      <p:sp>
+        <p:nvSpPr>
+          <p:cNvPr id="50" name="직사각형 49"/>
+          <p:cNvSpPr/>
+          <p:nvPr/>
+        </p:nvSpPr>
+        <p:spPr>
+          <a:xfrm>
+            <a:off x="5724128" y="1149139"/>
+            <a:ext cx="2520280" cy="738664"/>
+          </a:xfrm>
+          <a:prstGeom prst="rect">
+            <a:avLst/>
+          </a:prstGeom>
+        </p:spPr>
+        <p:txBody>
+          <a:bodyPr wrap="square">
+            <a:spAutoFit/>
+          </a:bodyPr>
+          <a:lstStyle/>
+          <a:p>
+            <a:pPr algn="ctr"/>
+            <a:r>
+              <a:rPr lang="ko-KR" altLang="en-US" sz="1500" b="1" dirty="0" err="1" smtClean="0"/>
+              <a:t>배틀서버의</a:t>
+            </a:r>
+            <a:r>
+              <a:rPr lang="ko-KR" altLang="en-US" sz="1500" b="1" dirty="0" smtClean="0"/>
+              <a:t> </a:t>
+            </a:r>
+            <a:endParaRPr lang="en-US" altLang="ko-KR" sz="1500" b="1" dirty="0" smtClean="0"/>
+          </a:p>
+          <a:p>
+            <a:pPr algn="ctr"/>
+            <a:r>
+              <a:rPr lang="en-US" altLang="ko-KR" sz="1500" b="1" dirty="0" smtClean="0"/>
+              <a:t>HTTP Read Thread x 20</a:t>
+            </a:r>
+          </a:p>
+          <a:p>
+            <a:pPr algn="ctr"/>
+            <a:r>
+              <a:rPr lang="en-US" altLang="ko-KR" sz="1200" dirty="0" smtClean="0"/>
+              <a:t>(</a:t>
+            </a:r>
+            <a:r>
+              <a:rPr lang="ko-KR" altLang="en-US" sz="1200" dirty="0" smtClean="0"/>
+              <a:t>소비자 </a:t>
+            </a:r>
+            <a:r>
+              <a:rPr lang="en-US" altLang="ko-KR" sz="1200" dirty="0" smtClean="0"/>
+              <a:t>Thread)</a:t>
+            </a:r>
+          </a:p>
+        </p:txBody>
+      </p:sp>
+      <p:sp>
+        <p:nvSpPr>
+          <p:cNvPr id="60" name="모서리가 둥근 직사각형 59"/>
+          <p:cNvSpPr/>
+          <p:nvPr/>
+        </p:nvSpPr>
+        <p:spPr>
+          <a:xfrm>
+            <a:off x="6368817" y="2135856"/>
+            <a:ext cx="1406557" cy="245379"/>
+          </a:xfrm>
+          <a:prstGeom prst="roundRect">
+            <a:avLst>
+              <a:gd name="adj" fmla="val 4958"/>
+            </a:avLst>
+          </a:prstGeom>
+          <a:solidFill>
+            <a:schemeClr val="accent5">
+              <a:lumMod val="40000"/>
+              <a:lumOff val="60000"/>
+            </a:schemeClr>
+          </a:solidFill>
+          <a:ln w="3175">
+            <a:solidFill>
+              <a:schemeClr val="tx1"/>
+            </a:solidFill>
+          </a:ln>
+        </p:spPr>
+        <p:style>
+          <a:lnRef idx="2">
+            <a:schemeClr val="accent1">
+              <a:shade val="50000"/>
+            </a:schemeClr>
+          </a:lnRef>
+          <a:fillRef idx="1">
+            <a:schemeClr val="accent1"/>
+          </a:fillRef>
+          <a:effectRef idx="0">
+            <a:schemeClr val="accent1"/>
+          </a:effectRef>
+          <a:fontRef idx="minor">
+            <a:schemeClr val="lt1"/>
+          </a:fontRef>
+        </p:style>
+        <p:txBody>
+          <a:bodyPr lIns="91426" tIns="45713" rIns="91426" bIns="45713" rtlCol="0" anchor="ctr"/>
+          <a:lstStyle/>
+          <a:p>
+            <a:pPr algn="ctr"/>
+            <a:r>
+              <a:rPr lang="en-US" altLang="ko-KR" sz="900" b="1" dirty="0" smtClean="0">
+                <a:solidFill>
+                  <a:schemeClr val="tx1"/>
+                </a:solidFill>
+              </a:rPr>
+              <a:t>HTTP </a:t>
+            </a:r>
+            <a:r>
+              <a:rPr lang="ko-KR" altLang="en-US" sz="900" b="1" dirty="0" smtClean="0">
+                <a:solidFill>
+                  <a:schemeClr val="tx1"/>
+                </a:solidFill>
+              </a:rPr>
+              <a:t>통신 시작</a:t>
+            </a:r>
+            <a:endParaRPr lang="ko-KR" altLang="en-US" sz="900" b="1" dirty="0">
+              <a:solidFill>
+                <a:schemeClr val="tx1"/>
+              </a:solidFill>
+            </a:endParaRPr>
+          </a:p>
+        </p:txBody>
+      </p:sp>
+      <p:sp>
+        <p:nvSpPr>
+          <p:cNvPr id="76" name="오른쪽 화살표 75"/>
+          <p:cNvSpPr/>
+          <p:nvPr/>
+        </p:nvSpPr>
+        <p:spPr>
+          <a:xfrm rot="5400000">
+            <a:off x="6774868" y="3699044"/>
+            <a:ext cx="553406" cy="346666"/>
+          </a:xfrm>
+          <a:prstGeom prst="rightArrow">
+            <a:avLst/>
+          </a:prstGeom>
+          <a:solidFill>
+            <a:srgbClr val="00B050"/>
+          </a:solidFill>
+        </p:spPr>
+        <p:style>
+          <a:lnRef idx="2">
+            <a:schemeClr val="accent1">
+              <a:shade val="50000"/>
+            </a:schemeClr>
+          </a:lnRef>
+          <a:fillRef idx="1">
+            <a:schemeClr val="accent1"/>
+          </a:fillRef>
+          <a:effectRef idx="0">
+            <a:schemeClr val="accent1"/>
+          </a:effectRef>
+          <a:fontRef idx="minor">
+            <a:schemeClr val="lt1"/>
+          </a:fontRef>
+        </p:style>
+        <p:txBody>
+          <a:bodyPr rtlCol="0" anchor="ctr"/>
+          <a:lstStyle/>
+          <a:p>
+            <a:pPr algn="ctr"/>
+            <a:endParaRPr lang="ko-KR" altLang="en-US"/>
+          </a:p>
+        </p:txBody>
+      </p:sp>
+      <p:sp>
+        <p:nvSpPr>
+          <p:cNvPr id="78" name="모서리가 둥근 직사각형 77"/>
+          <p:cNvSpPr/>
+          <p:nvPr/>
+        </p:nvSpPr>
+        <p:spPr>
+          <a:xfrm>
+            <a:off x="6348292" y="4293096"/>
+            <a:ext cx="1406557" cy="245379"/>
+          </a:xfrm>
+          <a:prstGeom prst="roundRect">
+            <a:avLst>
+              <a:gd name="adj" fmla="val 4958"/>
+            </a:avLst>
+          </a:prstGeom>
+          <a:solidFill>
+            <a:schemeClr val="accent5">
+              <a:lumMod val="40000"/>
+              <a:lumOff val="60000"/>
+            </a:schemeClr>
+          </a:solidFill>
+          <a:ln w="3175">
+            <a:solidFill>
+              <a:schemeClr val="tx1"/>
+            </a:solidFill>
+          </a:ln>
+        </p:spPr>
+        <p:style>
+          <a:lnRef idx="2">
+            <a:schemeClr val="accent1">
+              <a:shade val="50000"/>
+            </a:schemeClr>
+          </a:lnRef>
+          <a:fillRef idx="1">
+            <a:schemeClr val="accent1"/>
+          </a:fillRef>
+          <a:effectRef idx="0">
+            <a:schemeClr val="accent1"/>
+          </a:effectRef>
+          <a:fontRef idx="minor">
+            <a:schemeClr val="lt1"/>
+          </a:fontRef>
+        </p:style>
+        <p:txBody>
+          <a:bodyPr lIns="91426" tIns="45713" rIns="91426" bIns="45713" rtlCol="0" anchor="ctr"/>
+          <a:lstStyle/>
+          <a:p>
+            <a:pPr algn="ctr"/>
+            <a:r>
+              <a:rPr lang="en-US" altLang="ko-KR" sz="900" b="1" dirty="0" smtClean="0">
+                <a:solidFill>
+                  <a:schemeClr val="tx1"/>
+                </a:solidFill>
+              </a:rPr>
+              <a:t>HTTP </a:t>
+            </a:r>
+            <a:r>
+              <a:rPr lang="ko-KR" altLang="en-US" sz="900" b="1" dirty="0" smtClean="0">
+                <a:solidFill>
+                  <a:schemeClr val="tx1"/>
+                </a:solidFill>
+              </a:rPr>
+              <a:t>통신 완료</a:t>
+            </a:r>
+            <a:endParaRPr lang="ko-KR" altLang="en-US" sz="900" b="1" dirty="0">
+              <a:solidFill>
+                <a:schemeClr val="tx1"/>
+              </a:solidFill>
+            </a:endParaRPr>
+          </a:p>
+        </p:txBody>
+      </p:sp>
+      <p:sp>
+        <p:nvSpPr>
+          <p:cNvPr id="96" name="오른쪽 화살표 95"/>
+          <p:cNvSpPr/>
+          <p:nvPr/>
+        </p:nvSpPr>
+        <p:spPr>
+          <a:xfrm rot="5400000">
+            <a:off x="6783467" y="2525634"/>
+            <a:ext cx="458912" cy="346666"/>
+          </a:xfrm>
+          <a:prstGeom prst="rightArrow">
+            <a:avLst/>
+          </a:prstGeom>
+          <a:solidFill>
+            <a:srgbClr val="00B050"/>
+          </a:solidFill>
+        </p:spPr>
+        <p:style>
+          <a:lnRef idx="2">
+            <a:schemeClr val="accent1">
+              <a:shade val="50000"/>
+            </a:schemeClr>
+          </a:lnRef>
+          <a:fillRef idx="1">
+            <a:schemeClr val="accent1"/>
+          </a:fillRef>
+          <a:effectRef idx="0">
+            <a:schemeClr val="accent1"/>
+          </a:effectRef>
+          <a:fontRef idx="minor">
+            <a:schemeClr val="lt1"/>
+          </a:fontRef>
+        </p:style>
+        <p:txBody>
+          <a:bodyPr rtlCol="0" anchor="ctr"/>
+          <a:lstStyle/>
+          <a:p>
+            <a:pPr algn="ctr"/>
+            <a:endParaRPr lang="ko-KR" altLang="en-US"/>
+          </a:p>
+        </p:txBody>
+      </p:sp>
+      <p:sp>
+        <p:nvSpPr>
+          <p:cNvPr id="97" name="모서리가 둥근 사각형 설명선 96"/>
+          <p:cNvSpPr/>
+          <p:nvPr/>
+        </p:nvSpPr>
+        <p:spPr>
+          <a:xfrm>
+            <a:off x="7704348" y="2540955"/>
+            <a:ext cx="936104" cy="316024"/>
+          </a:xfrm>
+          <a:prstGeom prst="wedgeRoundRectCallout">
+            <a:avLst>
+              <a:gd name="adj1" fmla="val -42864"/>
+              <a:gd name="adj2" fmla="val 106992"/>
+              <a:gd name="adj3" fmla="val 16667"/>
+            </a:avLst>
+          </a:prstGeom>
+          <a:solidFill>
+            <a:schemeClr val="bg1"/>
+          </a:solidFill>
+          <a:ln w="3175">
+            <a:solidFill>
+              <a:schemeClr val="tx1"/>
+            </a:solidFill>
+          </a:ln>
+        </p:spPr>
+        <p:style>
+          <a:lnRef idx="2">
+            <a:schemeClr val="accent1">
+              <a:shade val="50000"/>
+            </a:schemeClr>
+          </a:lnRef>
+          <a:fillRef idx="1">
+            <a:schemeClr val="accent1"/>
+          </a:fillRef>
+          <a:effectRef idx="0">
+            <a:schemeClr val="accent1"/>
+          </a:effectRef>
+          <a:fontRef idx="minor">
+            <a:schemeClr val="lt1"/>
+          </a:fontRef>
+        </p:style>
+        <p:txBody>
+          <a:bodyPr lIns="91422" tIns="45711" rIns="91422" bIns="45711" rtlCol="0" anchor="ctr"/>
+          <a:lstStyle/>
+          <a:p>
+            <a:r>
+              <a:rPr lang="ko-KR" altLang="en-US" sz="900" dirty="0" err="1" smtClean="0">
+                <a:solidFill>
+                  <a:schemeClr val="tx1"/>
+                </a:solidFill>
+              </a:rPr>
+              <a:t>스레드</a:t>
+            </a:r>
+            <a:r>
+              <a:rPr lang="ko-KR" altLang="en-US" sz="900" dirty="0" smtClean="0">
+                <a:solidFill>
+                  <a:schemeClr val="tx1"/>
+                </a:solidFill>
+              </a:rPr>
+              <a:t> </a:t>
+            </a:r>
+            <a:r>
+              <a:rPr lang="en-US" altLang="ko-KR" sz="900" dirty="0" smtClean="0">
+                <a:solidFill>
+                  <a:schemeClr val="tx1"/>
+                </a:solidFill>
+              </a:rPr>
+              <a:t>Block</a:t>
+            </a:r>
+            <a:endParaRPr lang="ko-KR" altLang="en-US" sz="900" dirty="0">
+              <a:solidFill>
+                <a:schemeClr val="tx1"/>
+              </a:solidFill>
+            </a:endParaRPr>
+          </a:p>
+        </p:txBody>
+      </p:sp>
+      <p:cxnSp>
+        <p:nvCxnSpPr>
+          <p:cNvPr id="79" name="꺾인 연결선 78"/>
+          <p:cNvCxnSpPr>
+            <a:stCxn id="78" idx="1"/>
+            <a:endCxn id="55" idx="4"/>
+          </p:cNvCxnSpPr>
+          <p:nvPr/>
+        </p:nvCxnSpPr>
+        <p:spPr>
+          <a:xfrm rot="10800000">
+            <a:off x="4926826" y="3270052"/>
+            <a:ext cx="1421466" cy="1145735"/>
+          </a:xfrm>
+          <a:prstGeom prst="bentConnector3">
+            <a:avLst>
+              <a:gd name="adj1" fmla="val 58496"/>
             </a:avLst>
           </a:prstGeom>
           <a:ln w="19050">
@@ -28108,736 +28838,6 @@
           </a:fontRef>
         </p:style>
       </p:cxnSp>
-      <p:sp>
-        <p:nvSpPr>
-          <p:cNvPr id="27" name="모서리가 둥근 사각형 설명선 26"/>
-          <p:cNvSpPr/>
-          <p:nvPr/>
-        </p:nvSpPr>
-        <p:spPr>
-          <a:xfrm>
-            <a:off x="2449133" y="2599935"/>
-            <a:ext cx="1482418" cy="316024"/>
-          </a:xfrm>
-          <a:prstGeom prst="wedgeRoundRectCallout">
-            <a:avLst>
-              <a:gd name="adj1" fmla="val -44409"/>
-              <a:gd name="adj2" fmla="val 96073"/>
-              <a:gd name="adj3" fmla="val 16667"/>
-            </a:avLst>
-          </a:prstGeom>
-          <a:solidFill>
-            <a:schemeClr val="bg1"/>
-          </a:solidFill>
-          <a:ln w="3175">
-            <a:solidFill>
-              <a:schemeClr val="tx1"/>
-            </a:solidFill>
-          </a:ln>
-        </p:spPr>
-        <p:style>
-          <a:lnRef idx="2">
-            <a:schemeClr val="accent1">
-              <a:shade val="50000"/>
-            </a:schemeClr>
-          </a:lnRef>
-          <a:fillRef idx="1">
-            <a:schemeClr val="accent1"/>
-          </a:fillRef>
-          <a:effectRef idx="0">
-            <a:schemeClr val="accent1"/>
-          </a:effectRef>
-          <a:fontRef idx="minor">
-            <a:schemeClr val="lt1"/>
-          </a:fontRef>
-        </p:style>
-        <p:txBody>
-          <a:bodyPr lIns="91422" tIns="45711" rIns="91422" bIns="45711" rtlCol="0" anchor="ctr"/>
-          <a:lstStyle/>
-          <a:p>
-            <a:r>
-              <a:rPr lang="ko-KR" altLang="en-US" sz="900" dirty="0" smtClean="0">
-                <a:solidFill>
-                  <a:schemeClr val="tx1"/>
-                </a:solidFill>
-              </a:rPr>
-              <a:t>소비자에게 일을 전담시킨 후 다른 일을 한다</a:t>
-            </a:r>
-            <a:r>
-              <a:rPr lang="en-US" altLang="ko-KR" sz="900" dirty="0" smtClean="0">
-                <a:solidFill>
-                  <a:schemeClr val="tx1"/>
-                </a:solidFill>
-              </a:rPr>
-              <a:t>.</a:t>
-            </a:r>
-            <a:endParaRPr lang="ko-KR" altLang="en-US" sz="900" dirty="0">
-              <a:solidFill>
-                <a:schemeClr val="tx1"/>
-              </a:solidFill>
-            </a:endParaRPr>
-          </a:p>
-        </p:txBody>
-      </p:sp>
-      <p:sp>
-        <p:nvSpPr>
-          <p:cNvPr id="28" name="모서리가 둥근 직사각형 27"/>
-          <p:cNvSpPr/>
-          <p:nvPr/>
-        </p:nvSpPr>
-        <p:spPr>
-          <a:xfrm>
-            <a:off x="5327174" y="1161439"/>
-            <a:ext cx="3528392" cy="4032448"/>
-          </a:xfrm>
-          <a:prstGeom prst="roundRect">
-            <a:avLst>
-              <a:gd name="adj" fmla="val 4894"/>
-            </a:avLst>
-          </a:prstGeom>
-          <a:solidFill>
-            <a:schemeClr val="bg1">
-              <a:lumMod val="95000"/>
-            </a:schemeClr>
-          </a:solidFill>
-          <a:ln>
-            <a:solidFill>
-              <a:schemeClr val="tx1"/>
-            </a:solidFill>
-          </a:ln>
-        </p:spPr>
-        <p:style>
-          <a:lnRef idx="2">
-            <a:schemeClr val="accent1">
-              <a:shade val="50000"/>
-            </a:schemeClr>
-          </a:lnRef>
-          <a:fillRef idx="1">
-            <a:schemeClr val="accent1"/>
-          </a:fillRef>
-          <a:effectRef idx="0">
-            <a:schemeClr val="accent1"/>
-          </a:effectRef>
-          <a:fontRef idx="minor">
-            <a:schemeClr val="lt1"/>
-          </a:fontRef>
-        </p:style>
-        <p:txBody>
-          <a:bodyPr lIns="91409" tIns="45706" rIns="91409" bIns="45706" rtlCol="0" anchor="ctr"/>
-          <a:lstStyle/>
-          <a:p>
-            <a:endParaRPr lang="en-US" altLang="ko-KR" sz="900" dirty="0" smtClean="0">
-              <a:solidFill>
-                <a:schemeClr val="tx1"/>
-              </a:solidFill>
-            </a:endParaRPr>
-          </a:p>
-          <a:p>
-            <a:endParaRPr lang="en-US" altLang="ko-KR" sz="900" dirty="0">
-              <a:solidFill>
-                <a:schemeClr val="tx1"/>
-              </a:solidFill>
-            </a:endParaRPr>
-          </a:p>
-          <a:p>
-            <a:endParaRPr lang="en-US" altLang="ko-KR" sz="900" dirty="0" smtClean="0">
-              <a:solidFill>
-                <a:schemeClr val="tx1"/>
-              </a:solidFill>
-            </a:endParaRPr>
-          </a:p>
-          <a:p>
-            <a:endParaRPr lang="en-US" altLang="ko-KR" sz="900" b="1" dirty="0">
-              <a:solidFill>
-                <a:schemeClr val="tx1"/>
-              </a:solidFill>
-            </a:endParaRPr>
-          </a:p>
-          <a:p>
-            <a:endParaRPr lang="en-US" altLang="ko-KR" sz="900" b="1" dirty="0" smtClean="0">
-              <a:solidFill>
-                <a:schemeClr val="tx1"/>
-              </a:solidFill>
-            </a:endParaRPr>
-          </a:p>
-          <a:p>
-            <a:endParaRPr lang="en-US" altLang="ko-KR" sz="900" b="1" dirty="0">
-              <a:solidFill>
-                <a:schemeClr val="tx1"/>
-              </a:solidFill>
-            </a:endParaRPr>
-          </a:p>
-        </p:txBody>
-      </p:sp>
-      <p:sp>
-        <p:nvSpPr>
-          <p:cNvPr id="42" name="모서리가 둥근 직사각형 41"/>
-          <p:cNvSpPr/>
-          <p:nvPr/>
-        </p:nvSpPr>
-        <p:spPr>
-          <a:xfrm>
-            <a:off x="5220072" y="1052736"/>
-            <a:ext cx="3528392" cy="4032448"/>
-          </a:xfrm>
-          <a:prstGeom prst="roundRect">
-            <a:avLst>
-              <a:gd name="adj" fmla="val 4894"/>
-            </a:avLst>
-          </a:prstGeom>
-          <a:solidFill>
-            <a:schemeClr val="bg1">
-              <a:lumMod val="95000"/>
-            </a:schemeClr>
-          </a:solidFill>
-          <a:ln>
-            <a:solidFill>
-              <a:schemeClr val="tx1"/>
-            </a:solidFill>
-          </a:ln>
-        </p:spPr>
-        <p:style>
-          <a:lnRef idx="2">
-            <a:schemeClr val="accent1">
-              <a:shade val="50000"/>
-            </a:schemeClr>
-          </a:lnRef>
-          <a:fillRef idx="1">
-            <a:schemeClr val="accent1"/>
-          </a:fillRef>
-          <a:effectRef idx="0">
-            <a:schemeClr val="accent1"/>
-          </a:effectRef>
-          <a:fontRef idx="minor">
-            <a:schemeClr val="lt1"/>
-          </a:fontRef>
-        </p:style>
-        <p:txBody>
-          <a:bodyPr lIns="91409" tIns="45706" rIns="91409" bIns="45706" rtlCol="0" anchor="ctr"/>
-          <a:lstStyle/>
-          <a:p>
-            <a:endParaRPr lang="en-US" altLang="ko-KR" sz="900" dirty="0" smtClean="0">
-              <a:solidFill>
-                <a:schemeClr val="tx1"/>
-              </a:solidFill>
-            </a:endParaRPr>
-          </a:p>
-          <a:p>
-            <a:endParaRPr lang="en-US" altLang="ko-KR" sz="900" dirty="0">
-              <a:solidFill>
-                <a:schemeClr val="tx1"/>
-              </a:solidFill>
-            </a:endParaRPr>
-          </a:p>
-          <a:p>
-            <a:endParaRPr lang="en-US" altLang="ko-KR" sz="900" dirty="0" smtClean="0">
-              <a:solidFill>
-                <a:schemeClr val="tx1"/>
-              </a:solidFill>
-            </a:endParaRPr>
-          </a:p>
-          <a:p>
-            <a:endParaRPr lang="en-US" altLang="ko-KR" sz="900" b="1" dirty="0">
-              <a:solidFill>
-                <a:schemeClr val="tx1"/>
-              </a:solidFill>
-            </a:endParaRPr>
-          </a:p>
-          <a:p>
-            <a:endParaRPr lang="en-US" altLang="ko-KR" sz="900" b="1" dirty="0" smtClean="0">
-              <a:solidFill>
-                <a:schemeClr val="tx1"/>
-              </a:solidFill>
-            </a:endParaRPr>
-          </a:p>
-          <a:p>
-            <a:endParaRPr lang="en-US" altLang="ko-KR" sz="900" b="1" dirty="0">
-              <a:solidFill>
-                <a:schemeClr val="tx1"/>
-              </a:solidFill>
-            </a:endParaRPr>
-          </a:p>
-        </p:txBody>
-      </p:sp>
-      <p:sp>
-        <p:nvSpPr>
-          <p:cNvPr id="25" name="모서리가 둥근 직사각형 24"/>
-          <p:cNvSpPr/>
-          <p:nvPr/>
-        </p:nvSpPr>
-        <p:spPr>
-          <a:xfrm>
-            <a:off x="6256839" y="2954174"/>
-            <a:ext cx="1571340" cy="562596"/>
-          </a:xfrm>
-          <a:prstGeom prst="roundRect">
-            <a:avLst>
-              <a:gd name="adj" fmla="val 8847"/>
-            </a:avLst>
-          </a:prstGeom>
-          <a:solidFill>
-            <a:schemeClr val="accent6">
-              <a:lumMod val="20000"/>
-              <a:lumOff val="80000"/>
-            </a:schemeClr>
-          </a:solidFill>
-          <a:ln w="3175">
-            <a:solidFill>
-              <a:schemeClr val="tx1"/>
-            </a:solidFill>
-          </a:ln>
-        </p:spPr>
-        <p:style>
-          <a:lnRef idx="2">
-            <a:schemeClr val="accent1">
-              <a:shade val="50000"/>
-            </a:schemeClr>
-          </a:lnRef>
-          <a:fillRef idx="1">
-            <a:schemeClr val="accent1"/>
-          </a:fillRef>
-          <a:effectRef idx="0">
-            <a:schemeClr val="accent1"/>
-          </a:effectRef>
-          <a:fontRef idx="minor">
-            <a:schemeClr val="lt1"/>
-          </a:fontRef>
-        </p:style>
-        <p:txBody>
-          <a:bodyPr lIns="91409" tIns="45706" rIns="91409" bIns="45706" rtlCol="0" anchor="ctr"/>
-          <a:lstStyle/>
-          <a:p>
-            <a:pPr algn="ctr"/>
-            <a:endParaRPr lang="ko-KR" altLang="en-US" dirty="0"/>
-          </a:p>
-        </p:txBody>
-      </p:sp>
-      <p:sp>
-        <p:nvSpPr>
-          <p:cNvPr id="26" name="TextBox 25"/>
-          <p:cNvSpPr txBox="1"/>
-          <p:nvPr/>
-        </p:nvSpPr>
-        <p:spPr>
-          <a:xfrm>
-            <a:off x="6256839" y="2962800"/>
-            <a:ext cx="1630512" cy="553970"/>
-          </a:xfrm>
-          <a:prstGeom prst="rect">
-            <a:avLst/>
-          </a:prstGeom>
-          <a:noFill/>
-        </p:spPr>
-        <p:txBody>
-          <a:bodyPr wrap="none" lIns="91409" tIns="45706" rIns="91409" bIns="45706" rtlCol="0">
-            <a:spAutoFit/>
-          </a:bodyPr>
-          <a:lstStyle/>
-          <a:p>
-            <a:pPr algn="ctr"/>
-            <a:r>
-              <a:rPr lang="en-US" altLang="ko-KR" sz="1000" b="1" dirty="0" smtClean="0"/>
-              <a:t>HTTP </a:t>
-            </a:r>
-            <a:r>
-              <a:rPr lang="ko-KR" altLang="en-US" sz="1000" b="1" dirty="0" smtClean="0"/>
-              <a:t>라이브러리</a:t>
-            </a:r>
-            <a:endParaRPr lang="en-US" altLang="ko-KR" sz="1000" b="1" dirty="0" smtClean="0"/>
-          </a:p>
-          <a:p>
-            <a:pPr algn="ctr"/>
-            <a:endParaRPr lang="en-US" altLang="ko-KR" sz="1000" b="1" dirty="0"/>
-          </a:p>
-          <a:p>
-            <a:pPr algn="ctr"/>
-            <a:r>
-              <a:rPr lang="en-US" altLang="ko-KR" sz="1000" dirty="0" smtClean="0"/>
-              <a:t>HTTP </a:t>
-            </a:r>
-            <a:r>
-              <a:rPr lang="ko-KR" altLang="en-US" sz="1000" dirty="0" smtClean="0"/>
-              <a:t>데이터 </a:t>
-            </a:r>
-            <a:r>
-              <a:rPr lang="en-US" altLang="ko-KR" sz="1000" dirty="0" err="1" smtClean="0"/>
-              <a:t>Recv</a:t>
-            </a:r>
-            <a:r>
-              <a:rPr lang="en-US" altLang="ko-KR" sz="1000" dirty="0" smtClean="0"/>
-              <a:t>/Send</a:t>
-            </a:r>
-            <a:endParaRPr lang="en-US" altLang="ko-KR" sz="1000" dirty="0"/>
-          </a:p>
-        </p:txBody>
-      </p:sp>
-      <p:sp>
-        <p:nvSpPr>
-          <p:cNvPr id="50" name="직사각형 49"/>
-          <p:cNvSpPr/>
-          <p:nvPr/>
-        </p:nvSpPr>
-        <p:spPr>
-          <a:xfrm>
-            <a:off x="5724128" y="1149139"/>
-            <a:ext cx="2520280" cy="738664"/>
-          </a:xfrm>
-          <a:prstGeom prst="rect">
-            <a:avLst/>
-          </a:prstGeom>
-        </p:spPr>
-        <p:txBody>
-          <a:bodyPr wrap="square">
-            <a:spAutoFit/>
-          </a:bodyPr>
-          <a:lstStyle/>
-          <a:p>
-            <a:pPr algn="ctr"/>
-            <a:r>
-              <a:rPr lang="ko-KR" altLang="en-US" sz="1500" b="1" dirty="0" err="1" smtClean="0"/>
-              <a:t>배틀서버의</a:t>
-            </a:r>
-            <a:r>
-              <a:rPr lang="ko-KR" altLang="en-US" sz="1500" b="1" dirty="0" smtClean="0"/>
-              <a:t> </a:t>
-            </a:r>
-            <a:endParaRPr lang="en-US" altLang="ko-KR" sz="1500" b="1" dirty="0" smtClean="0"/>
-          </a:p>
-          <a:p>
-            <a:pPr algn="ctr"/>
-            <a:r>
-              <a:rPr lang="en-US" altLang="ko-KR" sz="1500" b="1" dirty="0" smtClean="0"/>
-              <a:t>HTTP Read Thread x 20</a:t>
-            </a:r>
-          </a:p>
-          <a:p>
-            <a:pPr algn="ctr"/>
-            <a:r>
-              <a:rPr lang="en-US" altLang="ko-KR" sz="1200" dirty="0" smtClean="0"/>
-              <a:t>(</a:t>
-            </a:r>
-            <a:r>
-              <a:rPr lang="ko-KR" altLang="en-US" sz="1200" dirty="0" smtClean="0"/>
-              <a:t>소비자 </a:t>
-            </a:r>
-            <a:r>
-              <a:rPr lang="en-US" altLang="ko-KR" sz="1200" dirty="0" smtClean="0"/>
-              <a:t>Thread)</a:t>
-            </a:r>
-          </a:p>
-        </p:txBody>
-      </p:sp>
-      <p:sp>
-        <p:nvSpPr>
-          <p:cNvPr id="60" name="모서리가 둥근 직사각형 59"/>
-          <p:cNvSpPr/>
-          <p:nvPr/>
-        </p:nvSpPr>
-        <p:spPr>
-          <a:xfrm>
-            <a:off x="6368817" y="2135856"/>
-            <a:ext cx="1406557" cy="245379"/>
-          </a:xfrm>
-          <a:prstGeom prst="roundRect">
-            <a:avLst>
-              <a:gd name="adj" fmla="val 4958"/>
-            </a:avLst>
-          </a:prstGeom>
-          <a:solidFill>
-            <a:schemeClr val="accent5">
-              <a:lumMod val="40000"/>
-              <a:lumOff val="60000"/>
-            </a:schemeClr>
-          </a:solidFill>
-          <a:ln w="3175">
-            <a:solidFill>
-              <a:schemeClr val="tx1"/>
-            </a:solidFill>
-          </a:ln>
-        </p:spPr>
-        <p:style>
-          <a:lnRef idx="2">
-            <a:schemeClr val="accent1">
-              <a:shade val="50000"/>
-            </a:schemeClr>
-          </a:lnRef>
-          <a:fillRef idx="1">
-            <a:schemeClr val="accent1"/>
-          </a:fillRef>
-          <a:effectRef idx="0">
-            <a:schemeClr val="accent1"/>
-          </a:effectRef>
-          <a:fontRef idx="minor">
-            <a:schemeClr val="lt1"/>
-          </a:fontRef>
-        </p:style>
-        <p:txBody>
-          <a:bodyPr lIns="91426" tIns="45713" rIns="91426" bIns="45713" rtlCol="0" anchor="ctr"/>
-          <a:lstStyle/>
-          <a:p>
-            <a:pPr algn="ctr"/>
-            <a:r>
-              <a:rPr lang="en-US" altLang="ko-KR" sz="900" b="1" dirty="0" smtClean="0">
-                <a:solidFill>
-                  <a:schemeClr val="tx1"/>
-                </a:solidFill>
-              </a:rPr>
-              <a:t>HTTP </a:t>
-            </a:r>
-            <a:r>
-              <a:rPr lang="ko-KR" altLang="en-US" sz="900" b="1" dirty="0" smtClean="0">
-                <a:solidFill>
-                  <a:schemeClr val="tx1"/>
-                </a:solidFill>
-              </a:rPr>
-              <a:t>통신 시작</a:t>
-            </a:r>
-            <a:endParaRPr lang="ko-KR" altLang="en-US" sz="900" b="1" dirty="0">
-              <a:solidFill>
-                <a:schemeClr val="tx1"/>
-              </a:solidFill>
-            </a:endParaRPr>
-          </a:p>
-        </p:txBody>
-      </p:sp>
-      <p:sp>
-        <p:nvSpPr>
-          <p:cNvPr id="76" name="오른쪽 화살표 75"/>
-          <p:cNvSpPr/>
-          <p:nvPr/>
-        </p:nvSpPr>
-        <p:spPr>
-          <a:xfrm rot="5400000">
-            <a:off x="6774868" y="3699044"/>
-            <a:ext cx="553406" cy="346666"/>
-          </a:xfrm>
-          <a:prstGeom prst="rightArrow">
-            <a:avLst/>
-          </a:prstGeom>
-          <a:solidFill>
-            <a:srgbClr val="00B050"/>
-          </a:solidFill>
-        </p:spPr>
-        <p:style>
-          <a:lnRef idx="2">
-            <a:schemeClr val="accent1">
-              <a:shade val="50000"/>
-            </a:schemeClr>
-          </a:lnRef>
-          <a:fillRef idx="1">
-            <a:schemeClr val="accent1"/>
-          </a:fillRef>
-          <a:effectRef idx="0">
-            <a:schemeClr val="accent1"/>
-          </a:effectRef>
-          <a:fontRef idx="minor">
-            <a:schemeClr val="lt1"/>
-          </a:fontRef>
-        </p:style>
-        <p:txBody>
-          <a:bodyPr rtlCol="0" anchor="ctr"/>
-          <a:lstStyle/>
-          <a:p>
-            <a:pPr algn="ctr"/>
-            <a:endParaRPr lang="ko-KR" altLang="en-US"/>
-          </a:p>
-        </p:txBody>
-      </p:sp>
-      <p:sp>
-        <p:nvSpPr>
-          <p:cNvPr id="78" name="모서리가 둥근 직사각형 77"/>
-          <p:cNvSpPr/>
-          <p:nvPr/>
-        </p:nvSpPr>
-        <p:spPr>
-          <a:xfrm>
-            <a:off x="6348292" y="4293096"/>
-            <a:ext cx="1406557" cy="245379"/>
-          </a:xfrm>
-          <a:prstGeom prst="roundRect">
-            <a:avLst>
-              <a:gd name="adj" fmla="val 4958"/>
-            </a:avLst>
-          </a:prstGeom>
-          <a:solidFill>
-            <a:schemeClr val="accent5">
-              <a:lumMod val="40000"/>
-              <a:lumOff val="60000"/>
-            </a:schemeClr>
-          </a:solidFill>
-          <a:ln w="3175">
-            <a:solidFill>
-              <a:schemeClr val="tx1"/>
-            </a:solidFill>
-          </a:ln>
-        </p:spPr>
-        <p:style>
-          <a:lnRef idx="2">
-            <a:schemeClr val="accent1">
-              <a:shade val="50000"/>
-            </a:schemeClr>
-          </a:lnRef>
-          <a:fillRef idx="1">
-            <a:schemeClr val="accent1"/>
-          </a:fillRef>
-          <a:effectRef idx="0">
-            <a:schemeClr val="accent1"/>
-          </a:effectRef>
-          <a:fontRef idx="minor">
-            <a:schemeClr val="lt1"/>
-          </a:fontRef>
-        </p:style>
-        <p:txBody>
-          <a:bodyPr lIns="91426" tIns="45713" rIns="91426" bIns="45713" rtlCol="0" anchor="ctr"/>
-          <a:lstStyle/>
-          <a:p>
-            <a:pPr algn="ctr"/>
-            <a:r>
-              <a:rPr lang="en-US" altLang="ko-KR" sz="900" b="1" dirty="0" smtClean="0">
-                <a:solidFill>
-                  <a:schemeClr val="tx1"/>
-                </a:solidFill>
-              </a:rPr>
-              <a:t>HTTP </a:t>
-            </a:r>
-            <a:r>
-              <a:rPr lang="ko-KR" altLang="en-US" sz="900" b="1" dirty="0" smtClean="0">
-                <a:solidFill>
-                  <a:schemeClr val="tx1"/>
-                </a:solidFill>
-              </a:rPr>
-              <a:t>통신 완료</a:t>
-            </a:r>
-            <a:endParaRPr lang="ko-KR" altLang="en-US" sz="900" b="1" dirty="0">
-              <a:solidFill>
-                <a:schemeClr val="tx1"/>
-              </a:solidFill>
-            </a:endParaRPr>
-          </a:p>
-        </p:txBody>
-      </p:sp>
-      <p:sp>
-        <p:nvSpPr>
-          <p:cNvPr id="96" name="오른쪽 화살표 95"/>
-          <p:cNvSpPr/>
-          <p:nvPr/>
-        </p:nvSpPr>
-        <p:spPr>
-          <a:xfrm rot="5400000">
-            <a:off x="6783467" y="2525634"/>
-            <a:ext cx="458912" cy="346666"/>
-          </a:xfrm>
-          <a:prstGeom prst="rightArrow">
-            <a:avLst/>
-          </a:prstGeom>
-          <a:solidFill>
-            <a:srgbClr val="00B050"/>
-          </a:solidFill>
-        </p:spPr>
-        <p:style>
-          <a:lnRef idx="2">
-            <a:schemeClr val="accent1">
-              <a:shade val="50000"/>
-            </a:schemeClr>
-          </a:lnRef>
-          <a:fillRef idx="1">
-            <a:schemeClr val="accent1"/>
-          </a:fillRef>
-          <a:effectRef idx="0">
-            <a:schemeClr val="accent1"/>
-          </a:effectRef>
-          <a:fontRef idx="minor">
-            <a:schemeClr val="lt1"/>
-          </a:fontRef>
-        </p:style>
-        <p:txBody>
-          <a:bodyPr rtlCol="0" anchor="ctr"/>
-          <a:lstStyle/>
-          <a:p>
-            <a:pPr algn="ctr"/>
-            <a:endParaRPr lang="ko-KR" altLang="en-US"/>
-          </a:p>
-        </p:txBody>
-      </p:sp>
-      <p:sp>
-        <p:nvSpPr>
-          <p:cNvPr id="97" name="모서리가 둥근 사각형 설명선 96"/>
-          <p:cNvSpPr/>
-          <p:nvPr/>
-        </p:nvSpPr>
-        <p:spPr>
-          <a:xfrm>
-            <a:off x="7704348" y="2540955"/>
-            <a:ext cx="936104" cy="316024"/>
-          </a:xfrm>
-          <a:prstGeom prst="wedgeRoundRectCallout">
-            <a:avLst>
-              <a:gd name="adj1" fmla="val -42864"/>
-              <a:gd name="adj2" fmla="val 106992"/>
-              <a:gd name="adj3" fmla="val 16667"/>
-            </a:avLst>
-          </a:prstGeom>
-          <a:solidFill>
-            <a:schemeClr val="bg1"/>
-          </a:solidFill>
-          <a:ln w="3175">
-            <a:solidFill>
-              <a:schemeClr val="tx1"/>
-            </a:solidFill>
-          </a:ln>
-        </p:spPr>
-        <p:style>
-          <a:lnRef idx="2">
-            <a:schemeClr val="accent1">
-              <a:shade val="50000"/>
-            </a:schemeClr>
-          </a:lnRef>
-          <a:fillRef idx="1">
-            <a:schemeClr val="accent1"/>
-          </a:fillRef>
-          <a:effectRef idx="0">
-            <a:schemeClr val="accent1"/>
-          </a:effectRef>
-          <a:fontRef idx="minor">
-            <a:schemeClr val="lt1"/>
-          </a:fontRef>
-        </p:style>
-        <p:txBody>
-          <a:bodyPr lIns="91422" tIns="45711" rIns="91422" bIns="45711" rtlCol="0" anchor="ctr"/>
-          <a:lstStyle/>
-          <a:p>
-            <a:r>
-              <a:rPr lang="ko-KR" altLang="en-US" sz="900" dirty="0" err="1" smtClean="0">
-                <a:solidFill>
-                  <a:schemeClr val="tx1"/>
-                </a:solidFill>
-              </a:rPr>
-              <a:t>스레드</a:t>
-            </a:r>
-            <a:r>
-              <a:rPr lang="ko-KR" altLang="en-US" sz="900" dirty="0" smtClean="0">
-                <a:solidFill>
-                  <a:schemeClr val="tx1"/>
-                </a:solidFill>
-              </a:rPr>
-              <a:t> </a:t>
-            </a:r>
-            <a:r>
-              <a:rPr lang="en-US" altLang="ko-KR" sz="900" dirty="0" smtClean="0">
-                <a:solidFill>
-                  <a:schemeClr val="tx1"/>
-                </a:solidFill>
-              </a:rPr>
-              <a:t>Block</a:t>
-            </a:r>
-            <a:endParaRPr lang="ko-KR" altLang="en-US" sz="900" dirty="0">
-              <a:solidFill>
-                <a:schemeClr val="tx1"/>
-              </a:solidFill>
-            </a:endParaRPr>
-          </a:p>
-        </p:txBody>
-      </p:sp>
     </p:spTree>
     <p:extLst>
       <p:ext uri="{BB962C8B-B14F-4D97-AF65-F5344CB8AC3E}">
